--- a/docs/ru/Создание виртуальной учебной модели электродвигателя.pptx
+++ b/docs/ru/Создание виртуальной учебной модели электродвигателя.pptx
@@ -9,9 +9,11 @@
     <p:sldId id="257" r:id="rId3"/>
     <p:sldId id="260" r:id="rId4"/>
     <p:sldId id="258" r:id="rId5"/>
-    <p:sldId id="261" r:id="rId6"/>
-    <p:sldId id="263" r:id="rId7"/>
-    <p:sldId id="262" r:id="rId8"/>
+    <p:sldId id="266" r:id="rId6"/>
+    <p:sldId id="265" r:id="rId7"/>
+    <p:sldId id="264" r:id="rId8"/>
+    <p:sldId id="261" r:id="rId9"/>
+    <p:sldId id="262" r:id="rId10"/>
   </p:sldIdLst>
   <p:sldSz cx="12192000" cy="6858000"/>
   <p:notesSz cx="6858000" cy="9144000"/>
@@ -119,8 +121,10 @@
             <p14:sldId id="257"/>
             <p14:sldId id="260"/>
             <p14:sldId id="258"/>
+            <p14:sldId id="266"/>
+            <p14:sldId id="265"/>
+            <p14:sldId id="264"/>
             <p14:sldId id="261"/>
-            <p14:sldId id="263"/>
             <p14:sldId id="262"/>
           </p14:sldIdLst>
         </p14:section>
@@ -186,7 +190,7 @@
           <a:noFill/>
           <a:extLst>
             <a:ext uri="{909E8E84-426E-40dd-AFC4-6F175D3DCCD1}">
-              <a14:hiddenFill xmlns="" xmlns:a14="http://schemas.microsoft.com/office/drawing/2010/main">
+              <a14:hiddenFill xmlns:a14="http://schemas.microsoft.com/office/drawing/2010/main" xmlns="">
                 <a:solidFill>
                   <a:srgbClr val="FFFFFF"/>
                 </a:solidFill>
@@ -246,7 +250,7 @@
             </a:ln>
             <a:extLst>
               <a:ext uri="{91240B29-F687-4f45-9708-019B960494DF}">
-                <a14:hiddenLine xmlns="" xmlns:a14="http://schemas.microsoft.com/office/drawing/2010/main" w="9525">
+                <a14:hiddenLine xmlns:a14="http://schemas.microsoft.com/office/drawing/2010/main" xmlns="" w="9525">
                   <a:solidFill>
                     <a:srgbClr val="000000"/>
                   </a:solidFill>
@@ -336,7 +340,7 @@
             </a:ln>
             <a:extLst>
               <a:ext uri="{91240B29-F687-4f45-9708-019B960494DF}">
-                <a14:hiddenLine xmlns="" xmlns:a14="http://schemas.microsoft.com/office/drawing/2010/main" w="9525">
+                <a14:hiddenLine xmlns:a14="http://schemas.microsoft.com/office/drawing/2010/main" xmlns="" w="9525">
                   <a:solidFill>
                     <a:srgbClr val="000000"/>
                   </a:solidFill>
@@ -426,7 +430,7 @@
             </a:ln>
             <a:extLst>
               <a:ext uri="{91240B29-F687-4f45-9708-019B960494DF}">
-                <a14:hiddenLine xmlns="" xmlns:a14="http://schemas.microsoft.com/office/drawing/2010/main" w="9525">
+                <a14:hiddenLine xmlns:a14="http://schemas.microsoft.com/office/drawing/2010/main" xmlns="" w="9525">
                   <a:solidFill>
                     <a:srgbClr val="000000"/>
                   </a:solidFill>
@@ -460,7 +464,7 @@
             </a:ln>
             <a:extLst>
               <a:ext uri="{91240B29-F687-4f45-9708-019B960494DF}">
-                <a14:hiddenLine xmlns="" xmlns:a14="http://schemas.microsoft.com/office/drawing/2010/main" w="9525">
+                <a14:hiddenLine xmlns:a14="http://schemas.microsoft.com/office/drawing/2010/main" xmlns="" w="9525">
                   <a:solidFill>
                     <a:srgbClr val="000000"/>
                   </a:solidFill>
@@ -550,7 +554,7 @@
             </a:ln>
             <a:extLst>
               <a:ext uri="{91240B29-F687-4f45-9708-019B960494DF}">
-                <a14:hiddenLine xmlns="" xmlns:a14="http://schemas.microsoft.com/office/drawing/2010/main" w="9525">
+                <a14:hiddenLine xmlns:a14="http://schemas.microsoft.com/office/drawing/2010/main" xmlns="" w="9525">
                   <a:solidFill>
                     <a:srgbClr val="000000"/>
                   </a:solidFill>
@@ -612,7 +616,7 @@
             </a:ln>
             <a:extLst>
               <a:ext uri="{91240B29-F687-4f45-9708-019B960494DF}">
-                <a14:hiddenLine xmlns="" xmlns:a14="http://schemas.microsoft.com/office/drawing/2010/main" w="9525">
+                <a14:hiddenLine xmlns:a14="http://schemas.microsoft.com/office/drawing/2010/main" xmlns="" w="9525">
                   <a:solidFill>
                     <a:srgbClr val="000000"/>
                   </a:solidFill>
@@ -674,7 +678,7 @@
             </a:ln>
             <a:extLst>
               <a:ext uri="{91240B29-F687-4f45-9708-019B960494DF}">
-                <a14:hiddenLine xmlns="" xmlns:a14="http://schemas.microsoft.com/office/drawing/2010/main" w="9525">
+                <a14:hiddenLine xmlns:a14="http://schemas.microsoft.com/office/drawing/2010/main" xmlns="" w="9525">
                   <a:solidFill>
                     <a:srgbClr val="000000"/>
                   </a:solidFill>
@@ -764,7 +768,7 @@
             </a:ln>
             <a:extLst>
               <a:ext uri="{91240B29-F687-4f45-9708-019B960494DF}">
-                <a14:hiddenLine xmlns="" xmlns:a14="http://schemas.microsoft.com/office/drawing/2010/main" w="9525">
+                <a14:hiddenLine xmlns:a14="http://schemas.microsoft.com/office/drawing/2010/main" xmlns="" w="9525">
                   <a:solidFill>
                     <a:srgbClr val="000000"/>
                   </a:solidFill>
@@ -826,7 +830,7 @@
             </a:ln>
             <a:extLst>
               <a:ext uri="{91240B29-F687-4f45-9708-019B960494DF}">
-                <a14:hiddenLine xmlns="" xmlns:a14="http://schemas.microsoft.com/office/drawing/2010/main" w="9525">
+                <a14:hiddenLine xmlns:a14="http://schemas.microsoft.com/office/drawing/2010/main" xmlns="" w="9525">
                   <a:solidFill>
                     <a:srgbClr val="000000"/>
                   </a:solidFill>
@@ -888,7 +892,7 @@
             </a:ln>
             <a:extLst>
               <a:ext uri="{91240B29-F687-4f45-9708-019B960494DF}">
-                <a14:hiddenLine xmlns="" xmlns:a14="http://schemas.microsoft.com/office/drawing/2010/main" w="9525">
+                <a14:hiddenLine xmlns:a14="http://schemas.microsoft.com/office/drawing/2010/main" xmlns="" w="9525">
                   <a:solidFill>
                     <a:srgbClr val="000000"/>
                   </a:solidFill>
@@ -978,7 +982,7 @@
             </a:ln>
             <a:extLst>
               <a:ext uri="{91240B29-F687-4f45-9708-019B960494DF}">
-                <a14:hiddenLine xmlns="" xmlns:a14="http://schemas.microsoft.com/office/drawing/2010/main" w="9525">
+                <a14:hiddenLine xmlns:a14="http://schemas.microsoft.com/office/drawing/2010/main" xmlns="" w="9525">
                   <a:solidFill>
                     <a:srgbClr val="000000"/>
                   </a:solidFill>
@@ -1068,7 +1072,7 @@
             </a:ln>
             <a:extLst>
               <a:ext uri="{91240B29-F687-4f45-9708-019B960494DF}">
-                <a14:hiddenLine xmlns="" xmlns:a14="http://schemas.microsoft.com/office/drawing/2010/main" w="9525">
+                <a14:hiddenLine xmlns:a14="http://schemas.microsoft.com/office/drawing/2010/main" xmlns="" w="9525">
                   <a:solidFill>
                     <a:srgbClr val="000000"/>
                   </a:solidFill>
@@ -1130,7 +1134,7 @@
             </a:ln>
             <a:extLst>
               <a:ext uri="{91240B29-F687-4f45-9708-019B960494DF}">
-                <a14:hiddenLine xmlns="" xmlns:a14="http://schemas.microsoft.com/office/drawing/2010/main" w="9525">
+                <a14:hiddenLine xmlns:a14="http://schemas.microsoft.com/office/drawing/2010/main" xmlns="" w="9525">
                   <a:solidFill>
                     <a:srgbClr val="000000"/>
                   </a:solidFill>
@@ -1240,7 +1244,7 @@
             </a:ln>
             <a:extLst>
               <a:ext uri="{91240B29-F687-4f45-9708-019B960494DF}">
-                <a14:hiddenLine xmlns="" xmlns:a14="http://schemas.microsoft.com/office/drawing/2010/main" w="9525">
+                <a14:hiddenLine xmlns:a14="http://schemas.microsoft.com/office/drawing/2010/main" xmlns="" w="9525">
                   <a:solidFill>
                     <a:srgbClr val="000000"/>
                   </a:solidFill>
@@ -1302,7 +1306,7 @@
             </a:ln>
             <a:extLst>
               <a:ext uri="{91240B29-F687-4f45-9708-019B960494DF}">
-                <a14:hiddenLine xmlns="" xmlns:a14="http://schemas.microsoft.com/office/drawing/2010/main" w="9525">
+                <a14:hiddenLine xmlns:a14="http://schemas.microsoft.com/office/drawing/2010/main" xmlns="" w="9525">
                   <a:solidFill>
                     <a:srgbClr val="000000"/>
                   </a:solidFill>
@@ -1392,7 +1396,7 @@
             </a:ln>
             <a:extLst>
               <a:ext uri="{91240B29-F687-4f45-9708-019B960494DF}">
-                <a14:hiddenLine xmlns="" xmlns:a14="http://schemas.microsoft.com/office/drawing/2010/main" w="9525">
+                <a14:hiddenLine xmlns:a14="http://schemas.microsoft.com/office/drawing/2010/main" xmlns="" w="9525">
                   <a:solidFill>
                     <a:srgbClr val="000000"/>
                   </a:solidFill>
@@ -1482,7 +1486,7 @@
             </a:ln>
             <a:extLst>
               <a:ext uri="{91240B29-F687-4f45-9708-019B960494DF}">
-                <a14:hiddenLine xmlns="" xmlns:a14="http://schemas.microsoft.com/office/drawing/2010/main" w="9525">
+                <a14:hiddenLine xmlns:a14="http://schemas.microsoft.com/office/drawing/2010/main" xmlns="" w="9525">
                   <a:solidFill>
                     <a:srgbClr val="000000"/>
                   </a:solidFill>
@@ -1544,7 +1548,7 @@
             </a:ln>
             <a:extLst>
               <a:ext uri="{91240B29-F687-4f45-9708-019B960494DF}">
-                <a14:hiddenLine xmlns="" xmlns:a14="http://schemas.microsoft.com/office/drawing/2010/main" w="9525">
+                <a14:hiddenLine xmlns:a14="http://schemas.microsoft.com/office/drawing/2010/main" xmlns="" w="9525">
                   <a:solidFill>
                     <a:srgbClr val="000000"/>
                   </a:solidFill>
@@ -1634,7 +1638,7 @@
             </a:ln>
             <a:extLst>
               <a:ext uri="{91240B29-F687-4f45-9708-019B960494DF}">
-                <a14:hiddenLine xmlns="" xmlns:a14="http://schemas.microsoft.com/office/drawing/2010/main" w="9525">
+                <a14:hiddenLine xmlns:a14="http://schemas.microsoft.com/office/drawing/2010/main" xmlns="" w="9525">
                   <a:solidFill>
                     <a:srgbClr val="000000"/>
                   </a:solidFill>
@@ -1724,7 +1728,7 @@
             </a:ln>
             <a:extLst>
               <a:ext uri="{91240B29-F687-4f45-9708-019B960494DF}">
-                <a14:hiddenLine xmlns="" xmlns:a14="http://schemas.microsoft.com/office/drawing/2010/main" w="9525">
+                <a14:hiddenLine xmlns:a14="http://schemas.microsoft.com/office/drawing/2010/main" xmlns="" w="9525">
                   <a:solidFill>
                     <a:srgbClr val="000000"/>
                   </a:solidFill>
@@ -1780,7 +1784,7 @@
             </a:ln>
             <a:extLst>
               <a:ext uri="{91240B29-F687-4f45-9708-019B960494DF}">
-                <a14:hiddenLine xmlns="" xmlns:a14="http://schemas.microsoft.com/office/drawing/2010/main" w="9525">
+                <a14:hiddenLine xmlns:a14="http://schemas.microsoft.com/office/drawing/2010/main" xmlns="" w="9525">
                   <a:solidFill>
                     <a:srgbClr val="000000"/>
                   </a:solidFill>
@@ -1870,7 +1874,7 @@
             </a:ln>
             <a:extLst>
               <a:ext uri="{91240B29-F687-4f45-9708-019B960494DF}">
-                <a14:hiddenLine xmlns="" xmlns:a14="http://schemas.microsoft.com/office/drawing/2010/main" w="9525">
+                <a14:hiddenLine xmlns:a14="http://schemas.microsoft.com/office/drawing/2010/main" xmlns="" w="9525">
                   <a:solidFill>
                     <a:srgbClr val="000000"/>
                   </a:solidFill>
@@ -1926,7 +1930,7 @@
             </a:ln>
             <a:extLst>
               <a:ext uri="{91240B29-F687-4f45-9708-019B960494DF}">
-                <a14:hiddenLine xmlns="" xmlns:a14="http://schemas.microsoft.com/office/drawing/2010/main" w="9525">
+                <a14:hiddenLine xmlns:a14="http://schemas.microsoft.com/office/drawing/2010/main" xmlns="" w="9525">
                   <a:solidFill>
                     <a:srgbClr val="000000"/>
                   </a:solidFill>
@@ -2016,7 +2020,7 @@
             </a:ln>
             <a:extLst>
               <a:ext uri="{91240B29-F687-4f45-9708-019B960494DF}">
-                <a14:hiddenLine xmlns="" xmlns:a14="http://schemas.microsoft.com/office/drawing/2010/main" w="9525">
+                <a14:hiddenLine xmlns:a14="http://schemas.microsoft.com/office/drawing/2010/main" xmlns="" w="9525">
                   <a:solidFill>
                     <a:srgbClr val="000000"/>
                   </a:solidFill>
@@ -2084,7 +2088,7 @@
             </a:ln>
             <a:extLst>
               <a:ext uri="{91240B29-F687-4f45-9708-019B960494DF}">
-                <a14:hiddenLine xmlns="" xmlns:a14="http://schemas.microsoft.com/office/drawing/2010/main" w="9525">
+                <a14:hiddenLine xmlns:a14="http://schemas.microsoft.com/office/drawing/2010/main" xmlns="" w="9525">
                   <a:solidFill>
                     <a:srgbClr val="000000"/>
                   </a:solidFill>
@@ -2174,7 +2178,7 @@
             </a:ln>
             <a:extLst>
               <a:ext uri="{91240B29-F687-4f45-9708-019B960494DF}">
-                <a14:hiddenLine xmlns="" xmlns:a14="http://schemas.microsoft.com/office/drawing/2010/main" w="9525">
+                <a14:hiddenLine xmlns:a14="http://schemas.microsoft.com/office/drawing/2010/main" xmlns="" w="9525">
                   <a:solidFill>
                     <a:srgbClr val="000000"/>
                   </a:solidFill>
@@ -2242,7 +2246,7 @@
             </a:ln>
             <a:extLst>
               <a:ext uri="{91240B29-F687-4f45-9708-019B960494DF}">
-                <a14:hiddenLine xmlns="" xmlns:a14="http://schemas.microsoft.com/office/drawing/2010/main" w="9525">
+                <a14:hiddenLine xmlns:a14="http://schemas.microsoft.com/office/drawing/2010/main" xmlns="" w="9525">
                   <a:solidFill>
                     <a:srgbClr val="000000"/>
                   </a:solidFill>
@@ -2332,7 +2336,7 @@
             </a:ln>
             <a:extLst>
               <a:ext uri="{91240B29-F687-4f45-9708-019B960494DF}">
-                <a14:hiddenLine xmlns="" xmlns:a14="http://schemas.microsoft.com/office/drawing/2010/main" w="9525">
+                <a14:hiddenLine xmlns:a14="http://schemas.microsoft.com/office/drawing/2010/main" xmlns="" w="9525">
                   <a:solidFill>
                     <a:srgbClr val="000000"/>
                   </a:solidFill>
@@ -2366,7 +2370,7 @@
             </a:ln>
             <a:extLst>
               <a:ext uri="{91240B29-F687-4f45-9708-019B960494DF}">
-                <a14:hiddenLine xmlns="" xmlns:a14="http://schemas.microsoft.com/office/drawing/2010/main" w="9525">
+                <a14:hiddenLine xmlns:a14="http://schemas.microsoft.com/office/drawing/2010/main" xmlns="" w="9525">
                   <a:solidFill>
                     <a:srgbClr val="000000"/>
                   </a:solidFill>
@@ -2456,7 +2460,7 @@
             </a:ln>
             <a:extLst>
               <a:ext uri="{91240B29-F687-4f45-9708-019B960494DF}">
-                <a14:hiddenLine xmlns="" xmlns:a14="http://schemas.microsoft.com/office/drawing/2010/main" w="9525">
+                <a14:hiddenLine xmlns:a14="http://schemas.microsoft.com/office/drawing/2010/main" xmlns="" w="9525">
                   <a:solidFill>
                     <a:srgbClr val="000000"/>
                   </a:solidFill>
@@ -2518,7 +2522,7 @@
             </a:ln>
             <a:extLst>
               <a:ext uri="{91240B29-F687-4f45-9708-019B960494DF}">
-                <a14:hiddenLine xmlns="" xmlns:a14="http://schemas.microsoft.com/office/drawing/2010/main" w="9525">
+                <a14:hiddenLine xmlns:a14="http://schemas.microsoft.com/office/drawing/2010/main" xmlns="" w="9525">
                   <a:solidFill>
                     <a:srgbClr val="000000"/>
                   </a:solidFill>
@@ -2580,7 +2584,7 @@
             </a:ln>
             <a:extLst>
               <a:ext uri="{91240B29-F687-4f45-9708-019B960494DF}">
-                <a14:hiddenLine xmlns="" xmlns:a14="http://schemas.microsoft.com/office/drawing/2010/main" w="9525">
+                <a14:hiddenLine xmlns:a14="http://schemas.microsoft.com/office/drawing/2010/main" xmlns="" w="9525">
                   <a:solidFill>
                     <a:srgbClr val="000000"/>
                   </a:solidFill>
@@ -2670,7 +2674,7 @@
             </a:ln>
             <a:extLst>
               <a:ext uri="{91240B29-F687-4f45-9708-019B960494DF}">
-                <a14:hiddenLine xmlns="" xmlns:a14="http://schemas.microsoft.com/office/drawing/2010/main" w="9525">
+                <a14:hiddenLine xmlns:a14="http://schemas.microsoft.com/office/drawing/2010/main" xmlns="" w="9525">
                   <a:solidFill>
                     <a:srgbClr val="000000"/>
                   </a:solidFill>
@@ -2738,7 +2742,7 @@
             </a:ln>
             <a:extLst>
               <a:ext uri="{91240B29-F687-4f45-9708-019B960494DF}">
-                <a14:hiddenLine xmlns="" xmlns:a14="http://schemas.microsoft.com/office/drawing/2010/main" w="9525">
+                <a14:hiddenLine xmlns:a14="http://schemas.microsoft.com/office/drawing/2010/main" xmlns="" w="9525">
                   <a:solidFill>
                     <a:srgbClr val="000000"/>
                   </a:solidFill>
@@ -2800,7 +2804,7 @@
             </a:ln>
             <a:extLst>
               <a:ext uri="{91240B29-F687-4f45-9708-019B960494DF}">
-                <a14:hiddenLine xmlns="" xmlns:a14="http://schemas.microsoft.com/office/drawing/2010/main" w="9525">
+                <a14:hiddenLine xmlns:a14="http://schemas.microsoft.com/office/drawing/2010/main" xmlns="" w="9525">
                   <a:solidFill>
                     <a:srgbClr val="000000"/>
                   </a:solidFill>
@@ -2890,7 +2894,7 @@
             </a:ln>
             <a:extLst>
               <a:ext uri="{91240B29-F687-4f45-9708-019B960494DF}">
-                <a14:hiddenLine xmlns="" xmlns:a14="http://schemas.microsoft.com/office/drawing/2010/main" w="9525">
+                <a14:hiddenLine xmlns:a14="http://schemas.microsoft.com/office/drawing/2010/main" xmlns="" w="9525">
                   <a:solidFill>
                     <a:srgbClr val="000000"/>
                   </a:solidFill>
@@ -2952,7 +2956,7 @@
             </a:ln>
             <a:extLst>
               <a:ext uri="{91240B29-F687-4f45-9708-019B960494DF}">
-                <a14:hiddenLine xmlns="" xmlns:a14="http://schemas.microsoft.com/office/drawing/2010/main" w="9525">
+                <a14:hiddenLine xmlns:a14="http://schemas.microsoft.com/office/drawing/2010/main" xmlns="" w="9525">
                   <a:solidFill>
                     <a:srgbClr val="000000"/>
                   </a:solidFill>
@@ -3042,7 +3046,7 @@
             </a:ln>
             <a:extLst>
               <a:ext uri="{91240B29-F687-4f45-9708-019B960494DF}">
-                <a14:hiddenLine xmlns="" xmlns:a14="http://schemas.microsoft.com/office/drawing/2010/main" w="9525">
+                <a14:hiddenLine xmlns:a14="http://schemas.microsoft.com/office/drawing/2010/main" xmlns="" w="9525">
                   <a:solidFill>
                     <a:srgbClr val="000000"/>
                   </a:solidFill>
@@ -3104,7 +3108,7 @@
             </a:ln>
             <a:extLst>
               <a:ext uri="{91240B29-F687-4f45-9708-019B960494DF}">
-                <a14:hiddenLine xmlns="" xmlns:a14="http://schemas.microsoft.com/office/drawing/2010/main" w="9525">
+                <a14:hiddenLine xmlns:a14="http://schemas.microsoft.com/office/drawing/2010/main" xmlns="" w="9525">
                   <a:solidFill>
                     <a:srgbClr val="000000"/>
                   </a:solidFill>
@@ -3194,7 +3198,7 @@
             </a:ln>
             <a:extLst>
               <a:ext uri="{91240B29-F687-4f45-9708-019B960494DF}">
-                <a14:hiddenLine xmlns="" xmlns:a14="http://schemas.microsoft.com/office/drawing/2010/main" w="9525">
+                <a14:hiddenLine xmlns:a14="http://schemas.microsoft.com/office/drawing/2010/main" xmlns="" w="9525">
                   <a:solidFill>
                     <a:srgbClr val="000000"/>
                   </a:solidFill>
@@ -3228,7 +3232,7 @@
             </a:ln>
             <a:extLst>
               <a:ext uri="{91240B29-F687-4f45-9708-019B960494DF}">
-                <a14:hiddenLine xmlns="" xmlns:a14="http://schemas.microsoft.com/office/drawing/2010/main" w="9525">
+                <a14:hiddenLine xmlns:a14="http://schemas.microsoft.com/office/drawing/2010/main" xmlns="" w="9525">
                   <a:solidFill>
                     <a:srgbClr val="000000"/>
                   </a:solidFill>
@@ -3293,7 +3297,7 @@
             </a:ln>
             <a:extLst>
               <a:ext uri="{91240B29-F687-4f45-9708-019B960494DF}">
-                <a14:hiddenLine xmlns="" xmlns:a14="http://schemas.microsoft.com/office/drawing/2010/main" w="9525">
+                <a14:hiddenLine xmlns:a14="http://schemas.microsoft.com/office/drawing/2010/main" xmlns="" w="9525">
                   <a:solidFill>
                     <a:srgbClr val="000000"/>
                   </a:solidFill>
@@ -3383,7 +3387,7 @@
             </a:ln>
             <a:extLst>
               <a:ext uri="{91240B29-F687-4f45-9708-019B960494DF}">
-                <a14:hiddenLine xmlns="" xmlns:a14="http://schemas.microsoft.com/office/drawing/2010/main" w="9525">
+                <a14:hiddenLine xmlns:a14="http://schemas.microsoft.com/office/drawing/2010/main" xmlns="" w="9525">
                   <a:solidFill>
                     <a:srgbClr val="000000"/>
                   </a:solidFill>
@@ -3445,7 +3449,7 @@
             </a:ln>
             <a:extLst>
               <a:ext uri="{91240B29-F687-4f45-9708-019B960494DF}">
-                <a14:hiddenLine xmlns="" xmlns:a14="http://schemas.microsoft.com/office/drawing/2010/main" w="9525">
+                <a14:hiddenLine xmlns:a14="http://schemas.microsoft.com/office/drawing/2010/main" xmlns="" w="9525">
                   <a:solidFill>
                     <a:srgbClr val="000000"/>
                   </a:solidFill>
@@ -3535,7 +3539,7 @@
             </a:ln>
             <a:extLst>
               <a:ext uri="{91240B29-F687-4f45-9708-019B960494DF}">
-                <a14:hiddenLine xmlns="" xmlns:a14="http://schemas.microsoft.com/office/drawing/2010/main" w="9525">
+                <a14:hiddenLine xmlns:a14="http://schemas.microsoft.com/office/drawing/2010/main" xmlns="" w="9525">
                   <a:solidFill>
                     <a:srgbClr val="000000"/>
                   </a:solidFill>
@@ -3625,7 +3629,7 @@
             </a:ln>
             <a:extLst>
               <a:ext uri="{91240B29-F687-4f45-9708-019B960494DF}">
-                <a14:hiddenLine xmlns="" xmlns:a14="http://schemas.microsoft.com/office/drawing/2010/main" w="9525">
+                <a14:hiddenLine xmlns:a14="http://schemas.microsoft.com/office/drawing/2010/main" xmlns="" w="9525">
                   <a:solidFill>
                     <a:srgbClr val="000000"/>
                   </a:solidFill>
@@ -3690,7 +3694,7 @@
             </a:ln>
             <a:extLst>
               <a:ext uri="{91240B29-F687-4f45-9708-019B960494DF}">
-                <a14:hiddenLine xmlns="" xmlns:a14="http://schemas.microsoft.com/office/drawing/2010/main" w="9525">
+                <a14:hiddenLine xmlns:a14="http://schemas.microsoft.com/office/drawing/2010/main" xmlns="" w="9525">
                   <a:solidFill>
                     <a:srgbClr val="000000"/>
                   </a:solidFill>
@@ -3752,7 +3756,7 @@
             </a:ln>
             <a:extLst>
               <a:ext uri="{91240B29-F687-4f45-9708-019B960494DF}">
-                <a14:hiddenLine xmlns="" xmlns:a14="http://schemas.microsoft.com/office/drawing/2010/main" w="9525">
+                <a14:hiddenLine xmlns:a14="http://schemas.microsoft.com/office/drawing/2010/main" xmlns="" w="9525">
                   <a:solidFill>
                     <a:srgbClr val="000000"/>
                   </a:solidFill>
@@ -3842,7 +3846,7 @@
             </a:ln>
             <a:extLst>
               <a:ext uri="{91240B29-F687-4f45-9708-019B960494DF}">
-                <a14:hiddenLine xmlns="" xmlns:a14="http://schemas.microsoft.com/office/drawing/2010/main" w="9525">
+                <a14:hiddenLine xmlns:a14="http://schemas.microsoft.com/office/drawing/2010/main" xmlns="" w="9525">
                   <a:solidFill>
                     <a:srgbClr val="000000"/>
                   </a:solidFill>
@@ -3932,7 +3936,7 @@
             </a:ln>
             <a:extLst>
               <a:ext uri="{91240B29-F687-4f45-9708-019B960494DF}">
-                <a14:hiddenLine xmlns="" xmlns:a14="http://schemas.microsoft.com/office/drawing/2010/main" w="9525">
+                <a14:hiddenLine xmlns:a14="http://schemas.microsoft.com/office/drawing/2010/main" xmlns="" w="9525">
                   <a:solidFill>
                     <a:srgbClr val="000000"/>
                   </a:solidFill>
@@ -3994,7 +3998,7 @@
             </a:ln>
             <a:extLst>
               <a:ext uri="{91240B29-F687-4f45-9708-019B960494DF}">
-                <a14:hiddenLine xmlns="" xmlns:a14="http://schemas.microsoft.com/office/drawing/2010/main" w="9525">
+                <a14:hiddenLine xmlns:a14="http://schemas.microsoft.com/office/drawing/2010/main" xmlns="" w="9525">
                   <a:solidFill>
                     <a:srgbClr val="000000"/>
                   </a:solidFill>
@@ -4114,7 +4118,7 @@
             </a:ln>
             <a:extLst>
               <a:ext uri="{91240B29-F687-4f45-9708-019B960494DF}">
-                <a14:hiddenLine xmlns="" xmlns:a14="http://schemas.microsoft.com/office/drawing/2010/main" w="9525">
+                <a14:hiddenLine xmlns:a14="http://schemas.microsoft.com/office/drawing/2010/main" xmlns="" w="9525">
                   <a:solidFill>
                     <a:srgbClr val="000000"/>
                   </a:solidFill>
@@ -4182,7 +4186,7 @@
             </a:ln>
             <a:extLst>
               <a:ext uri="{91240B29-F687-4f45-9708-019B960494DF}">
-                <a14:hiddenLine xmlns="" xmlns:a14="http://schemas.microsoft.com/office/drawing/2010/main" w="9525">
+                <a14:hiddenLine xmlns:a14="http://schemas.microsoft.com/office/drawing/2010/main" xmlns="" w="9525">
                   <a:solidFill>
                     <a:srgbClr val="000000"/>
                   </a:solidFill>
@@ -4272,7 +4276,7 @@
             </a:ln>
             <a:extLst>
               <a:ext uri="{91240B29-F687-4f45-9708-019B960494DF}">
-                <a14:hiddenLine xmlns="" xmlns:a14="http://schemas.microsoft.com/office/drawing/2010/main" w="9525">
+                <a14:hiddenLine xmlns:a14="http://schemas.microsoft.com/office/drawing/2010/main" xmlns="" w="9525">
                   <a:solidFill>
                     <a:srgbClr val="000000"/>
                   </a:solidFill>
@@ -4412,7 +4416,7 @@
           <a:p>
             <a:fld id="{48A87A34-81AB-432B-8DAE-1953F412C126}" type="datetimeFigureOut">
               <a:rPr lang="en-US" dirty="0"/>
-              <a:t>12/7/2025</a:t>
+              <a:t>12/17/2025</a:t>
             </a:fld>
             <a:endParaRPr lang="en-US" dirty="0"/>
           </a:p>
@@ -4674,7 +4678,7 @@
           <a:p>
             <a:fld id="{48A87A34-81AB-432B-8DAE-1953F412C126}" type="datetimeFigureOut">
               <a:rPr lang="en-US" dirty="0"/>
-              <a:t>12/7/2025</a:t>
+              <a:t>12/17/2025</a:t>
             </a:fld>
             <a:endParaRPr lang="en-US" dirty="0"/>
           </a:p>
@@ -4865,7 +4869,7 @@
           <a:p>
             <a:fld id="{48A87A34-81AB-432B-8DAE-1953F412C126}" type="datetimeFigureOut">
               <a:rPr lang="en-US" dirty="0"/>
-              <a:t>12/7/2025</a:t>
+              <a:t>12/17/2025</a:t>
             </a:fld>
             <a:endParaRPr lang="en-US" dirty="0"/>
           </a:p>
@@ -5123,7 +5127,7 @@
           <a:p>
             <a:fld id="{48A87A34-81AB-432B-8DAE-1953F412C126}" type="datetimeFigureOut">
               <a:rPr lang="en-US" dirty="0"/>
-              <a:t>12/7/2025</a:t>
+              <a:t>12/17/2025</a:t>
             </a:fld>
             <a:endParaRPr lang="en-US" dirty="0"/>
           </a:p>
@@ -5552,7 +5556,7 @@
           <a:p>
             <a:fld id="{48A87A34-81AB-432B-8DAE-1953F412C126}" type="datetimeFigureOut">
               <a:rPr lang="en-US" dirty="0"/>
-              <a:t>12/7/2025</a:t>
+              <a:t>12/17/2025</a:t>
             </a:fld>
             <a:endParaRPr lang="en-US" dirty="0"/>
           </a:p>
@@ -6093,7 +6097,7 @@
           <a:p>
             <a:fld id="{48A87A34-81AB-432B-8DAE-1953F412C126}" type="datetimeFigureOut">
               <a:rPr lang="en-US" dirty="0"/>
-              <a:t>12/7/2025</a:t>
+              <a:t>12/17/2025</a:t>
             </a:fld>
             <a:endParaRPr lang="en-US" dirty="0"/>
           </a:p>
@@ -6808,7 +6812,7 @@
           <a:p>
             <a:fld id="{48A87A34-81AB-432B-8DAE-1953F412C126}" type="datetimeFigureOut">
               <a:rPr lang="en-US" dirty="0"/>
-              <a:t>12/7/2025</a:t>
+              <a:t>12/17/2025</a:t>
             </a:fld>
             <a:endParaRPr lang="en-US" dirty="0"/>
           </a:p>
@@ -6973,7 +6977,7 @@
           <a:p>
             <a:fld id="{48A87A34-81AB-432B-8DAE-1953F412C126}" type="datetimeFigureOut">
               <a:rPr lang="en-US" dirty="0"/>
-              <a:t>12/7/2025</a:t>
+              <a:t>12/17/2025</a:t>
             </a:fld>
             <a:endParaRPr lang="en-US" dirty="0"/>
           </a:p>
@@ -7148,7 +7152,7 @@
           <a:p>
             <a:fld id="{48A87A34-81AB-432B-8DAE-1953F412C126}" type="datetimeFigureOut">
               <a:rPr lang="en-US" dirty="0"/>
-              <a:t>12/7/2025</a:t>
+              <a:t>12/17/2025</a:t>
             </a:fld>
             <a:endParaRPr lang="en-US" dirty="0"/>
           </a:p>
@@ -7313,7 +7317,7 @@
           <a:p>
             <a:fld id="{48A87A34-81AB-432B-8DAE-1953F412C126}" type="datetimeFigureOut">
               <a:rPr lang="en-US" dirty="0"/>
-              <a:t>12/7/2025</a:t>
+              <a:t>12/17/2025</a:t>
             </a:fld>
             <a:endParaRPr lang="en-US" dirty="0"/>
           </a:p>
@@ -7558,7 +7562,7 @@
           <a:p>
             <a:fld id="{48A87A34-81AB-432B-8DAE-1953F412C126}" type="datetimeFigureOut">
               <a:rPr lang="en-US" dirty="0"/>
-              <a:t>12/7/2025</a:t>
+              <a:t>12/17/2025</a:t>
             </a:fld>
             <a:endParaRPr lang="en-US" dirty="0"/>
           </a:p>
@@ -7785,7 +7789,7 @@
           <a:p>
             <a:fld id="{48A87A34-81AB-432B-8DAE-1953F412C126}" type="datetimeFigureOut">
               <a:rPr lang="en-US" dirty="0"/>
-              <a:t>12/7/2025</a:t>
+              <a:t>12/17/2025</a:t>
             </a:fld>
             <a:endParaRPr lang="en-US" dirty="0"/>
           </a:p>
@@ -8161,7 +8165,7 @@
           <a:p>
             <a:fld id="{48A87A34-81AB-432B-8DAE-1953F412C126}" type="datetimeFigureOut">
               <a:rPr lang="en-US" dirty="0"/>
-              <a:t>12/7/2025</a:t>
+              <a:t>12/17/2025</a:t>
             </a:fld>
             <a:endParaRPr lang="en-US" dirty="0"/>
           </a:p>
@@ -8274,7 +8278,7 @@
           <a:p>
             <a:fld id="{48A87A34-81AB-432B-8DAE-1953F412C126}" type="datetimeFigureOut">
               <a:rPr lang="en-US" dirty="0"/>
-              <a:t>12/7/2025</a:t>
+              <a:t>12/17/2025</a:t>
             </a:fld>
             <a:endParaRPr lang="en-US" dirty="0"/>
           </a:p>
@@ -8364,7 +8368,7 @@
           <a:p>
             <a:fld id="{48A87A34-81AB-432B-8DAE-1953F412C126}" type="datetimeFigureOut">
               <a:rPr lang="en-US" dirty="0"/>
-              <a:t>12/7/2025</a:t>
+              <a:t>12/17/2025</a:t>
             </a:fld>
             <a:endParaRPr lang="en-US" dirty="0"/>
           </a:p>
@@ -8608,7 +8612,7 @@
           <a:p>
             <a:fld id="{48A87A34-81AB-432B-8DAE-1953F412C126}" type="datetimeFigureOut">
               <a:rPr lang="en-US" dirty="0"/>
-              <a:t>12/7/2025</a:t>
+              <a:t>12/17/2025</a:t>
             </a:fld>
             <a:endParaRPr lang="en-US" dirty="0"/>
           </a:p>
@@ -8883,7 +8887,7 @@
           <a:p>
             <a:fld id="{48A87A34-81AB-432B-8DAE-1953F412C126}" type="datetimeFigureOut">
               <a:rPr lang="en-US" dirty="0"/>
-              <a:t>12/7/2025</a:t>
+              <a:t>12/17/2025</a:t>
             </a:fld>
             <a:endParaRPr lang="en-US" dirty="0"/>
           </a:p>
@@ -9017,7 +9021,7 @@
           <a:noFill/>
           <a:extLst>
             <a:ext uri="{909E8E84-426E-40dd-AFC4-6F175D3DCCD1}">
-              <a14:hiddenFill xmlns="" xmlns:a14="http://schemas.microsoft.com/office/drawing/2010/main">
+              <a14:hiddenFill xmlns:a14="http://schemas.microsoft.com/office/drawing/2010/main" xmlns="">
                 <a:solidFill>
                   <a:srgbClr val="FFFFFF"/>
                 </a:solidFill>
@@ -9091,7 +9095,7 @@
               </a:ln>
               <a:extLst>
                 <a:ext uri="{91240B29-F687-4f45-9708-019B960494DF}">
-                  <a14:hiddenLine xmlns="" xmlns:a14="http://schemas.microsoft.com/office/drawing/2010/main" w="9525">
+                  <a14:hiddenLine xmlns:a14="http://schemas.microsoft.com/office/drawing/2010/main" xmlns="" w="9525">
                     <a:solidFill>
                       <a:srgbClr val="000000"/>
                     </a:solidFill>
@@ -9181,7 +9185,7 @@
               </a:ln>
               <a:extLst>
                 <a:ext uri="{91240B29-F687-4f45-9708-019B960494DF}">
-                  <a14:hiddenLine xmlns="" xmlns:a14="http://schemas.microsoft.com/office/drawing/2010/main" w="9525">
+                  <a14:hiddenLine xmlns:a14="http://schemas.microsoft.com/office/drawing/2010/main" xmlns="" w="9525">
                     <a:solidFill>
                       <a:srgbClr val="000000"/>
                     </a:solidFill>
@@ -9271,7 +9275,7 @@
               </a:ln>
               <a:extLst>
                 <a:ext uri="{91240B29-F687-4f45-9708-019B960494DF}">
-                  <a14:hiddenLine xmlns="" xmlns:a14="http://schemas.microsoft.com/office/drawing/2010/main" w="9525">
+                  <a14:hiddenLine xmlns:a14="http://schemas.microsoft.com/office/drawing/2010/main" xmlns="" w="9525">
                     <a:solidFill>
                       <a:srgbClr val="000000"/>
                     </a:solidFill>
@@ -9333,7 +9337,7 @@
               </a:ln>
               <a:extLst>
                 <a:ext uri="{91240B29-F687-4f45-9708-019B960494DF}">
-                  <a14:hiddenLine xmlns="" xmlns:a14="http://schemas.microsoft.com/office/drawing/2010/main" w="9525">
+                  <a14:hiddenLine xmlns:a14="http://schemas.microsoft.com/office/drawing/2010/main" xmlns="" w="9525">
                     <a:solidFill>
                       <a:srgbClr val="000000"/>
                     </a:solidFill>
@@ -9423,7 +9427,7 @@
               </a:ln>
               <a:extLst>
                 <a:ext uri="{91240B29-F687-4f45-9708-019B960494DF}">
-                  <a14:hiddenLine xmlns="" xmlns:a14="http://schemas.microsoft.com/office/drawing/2010/main" w="9525">
+                  <a14:hiddenLine xmlns:a14="http://schemas.microsoft.com/office/drawing/2010/main" xmlns="" w="9525">
                     <a:solidFill>
                       <a:srgbClr val="000000"/>
                     </a:solidFill>
@@ -9485,7 +9489,7 @@
               </a:ln>
               <a:extLst>
                 <a:ext uri="{91240B29-F687-4f45-9708-019B960494DF}">
-                  <a14:hiddenLine xmlns="" xmlns:a14="http://schemas.microsoft.com/office/drawing/2010/main" w="9525">
+                  <a14:hiddenLine xmlns:a14="http://schemas.microsoft.com/office/drawing/2010/main" xmlns="" w="9525">
                     <a:solidFill>
                       <a:srgbClr val="000000"/>
                     </a:solidFill>
@@ -9547,7 +9551,7 @@
               </a:ln>
               <a:extLst>
                 <a:ext uri="{91240B29-F687-4f45-9708-019B960494DF}">
-                  <a14:hiddenLine xmlns="" xmlns:a14="http://schemas.microsoft.com/office/drawing/2010/main" w="9525">
+                  <a14:hiddenLine xmlns:a14="http://schemas.microsoft.com/office/drawing/2010/main" xmlns="" w="9525">
                     <a:solidFill>
                       <a:srgbClr val="000000"/>
                     </a:solidFill>
@@ -9637,7 +9641,7 @@
               </a:ln>
               <a:extLst>
                 <a:ext uri="{91240B29-F687-4f45-9708-019B960494DF}">
-                  <a14:hiddenLine xmlns="" xmlns:a14="http://schemas.microsoft.com/office/drawing/2010/main" w="9525">
+                  <a14:hiddenLine xmlns:a14="http://schemas.microsoft.com/office/drawing/2010/main" xmlns="" w="9525">
                     <a:solidFill>
                       <a:srgbClr val="000000"/>
                     </a:solidFill>
@@ -9727,7 +9731,7 @@
               </a:ln>
               <a:extLst>
                 <a:ext uri="{91240B29-F687-4f45-9708-019B960494DF}">
-                  <a14:hiddenLine xmlns="" xmlns:a14="http://schemas.microsoft.com/office/drawing/2010/main" w="9525">
+                  <a14:hiddenLine xmlns:a14="http://schemas.microsoft.com/office/drawing/2010/main" xmlns="" w="9525">
                     <a:solidFill>
                       <a:srgbClr val="000000"/>
                     </a:solidFill>
@@ -9789,7 +9793,7 @@
               </a:ln>
               <a:extLst>
                 <a:ext uri="{91240B29-F687-4f45-9708-019B960494DF}">
-                  <a14:hiddenLine xmlns="" xmlns:a14="http://schemas.microsoft.com/office/drawing/2010/main" w="9525">
+                  <a14:hiddenLine xmlns:a14="http://schemas.microsoft.com/office/drawing/2010/main" xmlns="" w="9525">
                     <a:solidFill>
                       <a:srgbClr val="000000"/>
                     </a:solidFill>
@@ -9899,7 +9903,7 @@
               </a:ln>
               <a:extLst>
                 <a:ext uri="{91240B29-F687-4f45-9708-019B960494DF}">
-                  <a14:hiddenLine xmlns="" xmlns:a14="http://schemas.microsoft.com/office/drawing/2010/main" w="9525">
+                  <a14:hiddenLine xmlns:a14="http://schemas.microsoft.com/office/drawing/2010/main" xmlns="" w="9525">
                     <a:solidFill>
                       <a:srgbClr val="000000"/>
                     </a:solidFill>
@@ -9983,7 +9987,7 @@
               </a:ln>
               <a:extLst>
                 <a:ext uri="{91240B29-F687-4f45-9708-019B960494DF}">
-                  <a14:hiddenLine xmlns="" xmlns:a14="http://schemas.microsoft.com/office/drawing/2010/main" w="9525">
+                  <a14:hiddenLine xmlns:a14="http://schemas.microsoft.com/office/drawing/2010/main" xmlns="" w="9525">
                     <a:solidFill>
                       <a:srgbClr val="000000"/>
                     </a:solidFill>
@@ -10045,7 +10049,7 @@
               </a:ln>
               <a:extLst>
                 <a:ext uri="{91240B29-F687-4f45-9708-019B960494DF}">
-                  <a14:hiddenLine xmlns="" xmlns:a14="http://schemas.microsoft.com/office/drawing/2010/main" w="9525">
+                  <a14:hiddenLine xmlns:a14="http://schemas.microsoft.com/office/drawing/2010/main" xmlns="" w="9525">
                     <a:solidFill>
                       <a:srgbClr val="000000"/>
                     </a:solidFill>
@@ -10107,7 +10111,7 @@
               </a:ln>
               <a:extLst>
                 <a:ext uri="{91240B29-F687-4f45-9708-019B960494DF}">
-                  <a14:hiddenLine xmlns="" xmlns:a14="http://schemas.microsoft.com/office/drawing/2010/main" w="9525">
+                  <a14:hiddenLine xmlns:a14="http://schemas.microsoft.com/office/drawing/2010/main" xmlns="" w="9525">
                     <a:solidFill>
                       <a:srgbClr val="000000"/>
                     </a:solidFill>
@@ -10197,7 +10201,7 @@
               </a:ln>
               <a:extLst>
                 <a:ext uri="{91240B29-F687-4f45-9708-019B960494DF}">
-                  <a14:hiddenLine xmlns="" xmlns:a14="http://schemas.microsoft.com/office/drawing/2010/main" w="9525">
+                  <a14:hiddenLine xmlns:a14="http://schemas.microsoft.com/office/drawing/2010/main" xmlns="" w="9525">
                     <a:solidFill>
                       <a:srgbClr val="000000"/>
                     </a:solidFill>
@@ -10231,7 +10235,7 @@
               </a:ln>
               <a:extLst>
                 <a:ext uri="{91240B29-F687-4f45-9708-019B960494DF}">
-                  <a14:hiddenLine xmlns="" xmlns:a14="http://schemas.microsoft.com/office/drawing/2010/main" w="9525">
+                  <a14:hiddenLine xmlns:a14="http://schemas.microsoft.com/office/drawing/2010/main" xmlns="" w="9525">
                     <a:solidFill>
                       <a:srgbClr val="000000"/>
                     </a:solidFill>
@@ -10296,7 +10300,7 @@
               </a:ln>
               <a:extLst>
                 <a:ext uri="{91240B29-F687-4f45-9708-019B960494DF}">
-                  <a14:hiddenLine xmlns="" xmlns:a14="http://schemas.microsoft.com/office/drawing/2010/main" w="9525">
+                  <a14:hiddenLine xmlns:a14="http://schemas.microsoft.com/office/drawing/2010/main" xmlns="" w="9525">
                     <a:solidFill>
                       <a:srgbClr val="000000"/>
                     </a:solidFill>
@@ -10386,7 +10390,7 @@
               </a:ln>
               <a:extLst>
                 <a:ext uri="{91240B29-F687-4f45-9708-019B960494DF}">
-                  <a14:hiddenLine xmlns="" xmlns:a14="http://schemas.microsoft.com/office/drawing/2010/main" w="9525">
+                  <a14:hiddenLine xmlns:a14="http://schemas.microsoft.com/office/drawing/2010/main" xmlns="" w="9525">
                     <a:solidFill>
                       <a:srgbClr val="000000"/>
                     </a:solidFill>
@@ -10448,7 +10452,7 @@
               </a:ln>
               <a:extLst>
                 <a:ext uri="{91240B29-F687-4f45-9708-019B960494DF}">
-                  <a14:hiddenLine xmlns="" xmlns:a14="http://schemas.microsoft.com/office/drawing/2010/main" w="9525">
+                  <a14:hiddenLine xmlns:a14="http://schemas.microsoft.com/office/drawing/2010/main" xmlns="" w="9525">
                     <a:solidFill>
                       <a:srgbClr val="000000"/>
                     </a:solidFill>
@@ -10538,7 +10542,7 @@
               </a:ln>
               <a:extLst>
                 <a:ext uri="{91240B29-F687-4f45-9708-019B960494DF}">
-                  <a14:hiddenLine xmlns="" xmlns:a14="http://schemas.microsoft.com/office/drawing/2010/main" w="9525">
+                  <a14:hiddenLine xmlns:a14="http://schemas.microsoft.com/office/drawing/2010/main" xmlns="" w="9525">
                     <a:solidFill>
                       <a:srgbClr val="000000"/>
                     </a:solidFill>
@@ -10603,7 +10607,7 @@
               </a:ln>
               <a:extLst>
                 <a:ext uri="{91240B29-F687-4f45-9708-019B960494DF}">
-                  <a14:hiddenLine xmlns="" xmlns:a14="http://schemas.microsoft.com/office/drawing/2010/main" w="9525">
+                  <a14:hiddenLine xmlns:a14="http://schemas.microsoft.com/office/drawing/2010/main" xmlns="" w="9525">
                     <a:solidFill>
                       <a:srgbClr val="000000"/>
                     </a:solidFill>
@@ -10665,7 +10669,7 @@
               </a:ln>
               <a:extLst>
                 <a:ext uri="{91240B29-F687-4f45-9708-019B960494DF}">
-                  <a14:hiddenLine xmlns="" xmlns:a14="http://schemas.microsoft.com/office/drawing/2010/main" w="9525">
+                  <a14:hiddenLine xmlns:a14="http://schemas.microsoft.com/office/drawing/2010/main" xmlns="" w="9525">
                     <a:solidFill>
                       <a:srgbClr val="000000"/>
                     </a:solidFill>
@@ -10755,7 +10759,7 @@
               </a:ln>
               <a:extLst>
                 <a:ext uri="{91240B29-F687-4f45-9708-019B960494DF}">
-                  <a14:hiddenLine xmlns="" xmlns:a14="http://schemas.microsoft.com/office/drawing/2010/main" w="9525">
+                  <a14:hiddenLine xmlns:a14="http://schemas.microsoft.com/office/drawing/2010/main" xmlns="" w="9525">
                     <a:solidFill>
                       <a:srgbClr val="000000"/>
                     </a:solidFill>
@@ -10845,7 +10849,7 @@
               </a:ln>
               <a:extLst>
                 <a:ext uri="{91240B29-F687-4f45-9708-019B960494DF}">
-                  <a14:hiddenLine xmlns="" xmlns:a14="http://schemas.microsoft.com/office/drawing/2010/main" w="9525">
+                  <a14:hiddenLine xmlns:a14="http://schemas.microsoft.com/office/drawing/2010/main" xmlns="" w="9525">
                     <a:solidFill>
                       <a:srgbClr val="000000"/>
                     </a:solidFill>
@@ -10910,7 +10914,7 @@
               </a:ln>
               <a:extLst>
                 <a:ext uri="{91240B29-F687-4f45-9708-019B960494DF}">
-                  <a14:hiddenLine xmlns="" xmlns:a14="http://schemas.microsoft.com/office/drawing/2010/main" w="9525">
+                  <a14:hiddenLine xmlns:a14="http://schemas.microsoft.com/office/drawing/2010/main" xmlns="" w="9525">
                     <a:solidFill>
                       <a:srgbClr val="000000"/>
                     </a:solidFill>
@@ -11030,7 +11034,7 @@
               </a:ln>
               <a:extLst>
                 <a:ext uri="{91240B29-F687-4f45-9708-019B960494DF}">
-                  <a14:hiddenLine xmlns="" xmlns:a14="http://schemas.microsoft.com/office/drawing/2010/main" w="9525">
+                  <a14:hiddenLine xmlns:a14="http://schemas.microsoft.com/office/drawing/2010/main" xmlns="" w="9525">
                     <a:solidFill>
                       <a:srgbClr val="000000"/>
                     </a:solidFill>
@@ -11128,7 +11132,7 @@
               </a:ln>
               <a:extLst>
                 <a:ext uri="{91240B29-F687-4f45-9708-019B960494DF}">
-                  <a14:hiddenLine xmlns="" xmlns:a14="http://schemas.microsoft.com/office/drawing/2010/main" w="9525">
+                  <a14:hiddenLine xmlns:a14="http://schemas.microsoft.com/office/drawing/2010/main" xmlns="" w="9525">
                     <a:solidFill>
                       <a:srgbClr val="000000"/>
                     </a:solidFill>
@@ -11243,7 +11247,7 @@
               </a:ln>
               <a:extLst>
                 <a:ext uri="{91240B29-F687-4f45-9708-019B960494DF}">
-                  <a14:hiddenLine xmlns="" xmlns:a14="http://schemas.microsoft.com/office/drawing/2010/main" w="9525">
+                  <a14:hiddenLine xmlns:a14="http://schemas.microsoft.com/office/drawing/2010/main" xmlns="" w="9525">
                     <a:solidFill>
                       <a:srgbClr val="000000"/>
                     </a:solidFill>
@@ -11333,7 +11337,7 @@
               </a:ln>
               <a:extLst>
                 <a:ext uri="{91240B29-F687-4f45-9708-019B960494DF}">
-                  <a14:hiddenLine xmlns="" xmlns:a14="http://schemas.microsoft.com/office/drawing/2010/main" w="9525">
+                  <a14:hiddenLine xmlns:a14="http://schemas.microsoft.com/office/drawing/2010/main" xmlns="" w="9525">
                     <a:solidFill>
                       <a:srgbClr val="000000"/>
                     </a:solidFill>
@@ -11398,7 +11402,7 @@
               </a:ln>
               <a:extLst>
                 <a:ext uri="{91240B29-F687-4f45-9708-019B960494DF}">
-                  <a14:hiddenLine xmlns="" xmlns:a14="http://schemas.microsoft.com/office/drawing/2010/main" w="9525">
+                  <a14:hiddenLine xmlns:a14="http://schemas.microsoft.com/office/drawing/2010/main" xmlns="" w="9525">
                     <a:solidFill>
                       <a:srgbClr val="000000"/>
                     </a:solidFill>
@@ -11488,7 +11492,7 @@
               </a:ln>
               <a:extLst>
                 <a:ext uri="{91240B29-F687-4f45-9708-019B960494DF}">
-                  <a14:hiddenLine xmlns="" xmlns:a14="http://schemas.microsoft.com/office/drawing/2010/main" w="9525">
+                  <a14:hiddenLine xmlns:a14="http://schemas.microsoft.com/office/drawing/2010/main" xmlns="" w="9525">
                     <a:solidFill>
                       <a:srgbClr val="000000"/>
                     </a:solidFill>
@@ -11556,7 +11560,7 @@
               </a:ln>
               <a:extLst>
                 <a:ext uri="{91240B29-F687-4f45-9708-019B960494DF}">
-                  <a14:hiddenLine xmlns="" xmlns:a14="http://schemas.microsoft.com/office/drawing/2010/main" w="9525">
+                  <a14:hiddenLine xmlns:a14="http://schemas.microsoft.com/office/drawing/2010/main" xmlns="" w="9525">
                     <a:solidFill>
                       <a:srgbClr val="000000"/>
                     </a:solidFill>
@@ -11646,7 +11650,7 @@
               </a:ln>
               <a:extLst>
                 <a:ext uri="{91240B29-F687-4f45-9708-019B960494DF}">
-                  <a14:hiddenLine xmlns="" xmlns:a14="http://schemas.microsoft.com/office/drawing/2010/main" w="9525">
+                  <a14:hiddenLine xmlns:a14="http://schemas.microsoft.com/office/drawing/2010/main" xmlns="" w="9525">
                     <a:solidFill>
                       <a:srgbClr val="000000"/>
                     </a:solidFill>
@@ -11714,7 +11718,7 @@
               </a:ln>
               <a:extLst>
                 <a:ext uri="{91240B29-F687-4f45-9708-019B960494DF}">
-                  <a14:hiddenLine xmlns="" xmlns:a14="http://schemas.microsoft.com/office/drawing/2010/main" w="9525">
+                  <a14:hiddenLine xmlns:a14="http://schemas.microsoft.com/office/drawing/2010/main" xmlns="" w="9525">
                     <a:solidFill>
                       <a:srgbClr val="000000"/>
                     </a:solidFill>
@@ -11804,7 +11808,7 @@
               </a:ln>
               <a:extLst>
                 <a:ext uri="{91240B29-F687-4f45-9708-019B960494DF}">
-                  <a14:hiddenLine xmlns="" xmlns:a14="http://schemas.microsoft.com/office/drawing/2010/main" w="9525">
+                  <a14:hiddenLine xmlns:a14="http://schemas.microsoft.com/office/drawing/2010/main" xmlns="" w="9525">
                     <a:solidFill>
                       <a:srgbClr val="000000"/>
                     </a:solidFill>
@@ -11838,7 +11842,7 @@
               </a:ln>
               <a:extLst>
                 <a:ext uri="{91240B29-F687-4f45-9708-019B960494DF}">
-                  <a14:hiddenLine xmlns="" xmlns:a14="http://schemas.microsoft.com/office/drawing/2010/main" w="9525">
+                  <a14:hiddenLine xmlns:a14="http://schemas.microsoft.com/office/drawing/2010/main" xmlns="" w="9525">
                     <a:solidFill>
                       <a:srgbClr val="000000"/>
                     </a:solidFill>
@@ -11979,7 +11983,7 @@
             <a:fld id="{48A87A34-81AB-432B-8DAE-1953F412C126}" type="datetimeFigureOut">
               <a:rPr lang="en-US" dirty="0"/>
               <a:pPr/>
-              <a:t>12/7/2025</a:t>
+              <a:t>12/17/2025</a:t>
             </a:fld>
             <a:endParaRPr lang="en-US" dirty="0"/>
           </a:p>
@@ -12434,7 +12438,7 @@
           <p:cNvPr id="2" name="Заголовок 1">
             <a:extLst>
               <a:ext uri="{FF2B5EF4-FFF2-40B4-BE49-F238E27FC236}">
-                <a16:creationId xmlns:a16="http://schemas.microsoft.com/office/drawing/2014/main" id="{096A5A6F-23A7-4950-817A-47C5231A8A78}"/>
+                <a16:creationId xmlns:a16="http://schemas.microsoft.com/office/drawing/2014/main" xmlns="" id="{096A5A6F-23A7-4950-817A-47C5231A8A78}"/>
               </a:ext>
             </a:extLst>
           </p:cNvPr>
@@ -12472,7 +12476,7 @@
           <p:cNvPr id="3" name="Подзаголовок 2">
             <a:extLst>
               <a:ext uri="{FF2B5EF4-FFF2-40B4-BE49-F238E27FC236}">
-                <a16:creationId xmlns:a16="http://schemas.microsoft.com/office/drawing/2014/main" id="{040FE809-B3AD-4CA5-ADB4-17F6D1795162}"/>
+                <a16:creationId xmlns:a16="http://schemas.microsoft.com/office/drawing/2014/main" xmlns="" id="{040FE809-B3AD-4CA5-ADB4-17F6D1795162}"/>
               </a:ext>
             </a:extLst>
           </p:cNvPr>
@@ -12698,6 +12702,271 @@
           </a:p>
         </p:txBody>
       </p:sp>
+      <p:sp>
+        <p:nvSpPr>
+          <p:cNvPr id="5" name="TextBox 4"/>
+          <p:cNvSpPr txBox="1"/>
+          <p:nvPr/>
+        </p:nvSpPr>
+        <p:spPr>
+          <a:xfrm>
+            <a:off x="2397760" y="5545879"/>
+            <a:ext cx="2732024" cy="1231106"/>
+          </a:xfrm>
+          <a:prstGeom prst="rect">
+            <a:avLst/>
+          </a:prstGeom>
+          <a:noFill/>
+        </p:spPr>
+        <p:txBody>
+          <a:bodyPr wrap="square" rtlCol="0">
+            <a:spAutoFit/>
+          </a:bodyPr>
+          <a:lstStyle/>
+          <a:p>
+            <a:r>
+              <a:rPr lang="ru-RU" sz="2000" cap="all" dirty="0">
+                <a:solidFill>
+                  <a:schemeClr val="tx1">
+                    <a:lumMod val="75000"/>
+                  </a:schemeClr>
+                </a:solidFill>
+                <a:latin typeface="Comic Sans MS" panose="030F0702030302020204" pitchFamily="66" charset="0"/>
+              </a:rPr>
+              <a:t>Р</a:t>
+            </a:r>
+            <a:r>
+              <a:rPr lang="ru-RU" sz="1400" cap="all" dirty="0">
+                <a:solidFill>
+                  <a:schemeClr val="tx1">
+                    <a:lumMod val="75000"/>
+                  </a:schemeClr>
+                </a:solidFill>
+                <a:latin typeface="Comic Sans MS" panose="030F0702030302020204" pitchFamily="66" charset="0"/>
+              </a:rPr>
+              <a:t>уководители проекта</a:t>
+            </a:r>
+            <a:r>
+              <a:rPr lang="en-US" sz="1400" cap="all" dirty="0">
+                <a:solidFill>
+                  <a:schemeClr val="tx1">
+                    <a:lumMod val="75000"/>
+                  </a:schemeClr>
+                </a:solidFill>
+                <a:latin typeface="Comic Sans MS" panose="030F0702030302020204" pitchFamily="66" charset="0"/>
+              </a:rPr>
+              <a:t>:</a:t>
+            </a:r>
+            <a:r>
+              <a:rPr lang="en-US" dirty="0" smtClean="0">
+                <a:latin typeface="Comic Sans MS" panose="030F0702030302020204" pitchFamily="66" charset="0"/>
+              </a:rPr>
+              <a:t/>
+            </a:r>
+            <a:br>
+              <a:rPr lang="en-US" dirty="0" smtClean="0">
+                <a:latin typeface="Comic Sans MS" panose="030F0702030302020204" pitchFamily="66" charset="0"/>
+              </a:rPr>
+            </a:br>
+            <a:r>
+              <a:rPr lang="ru-RU" sz="2000" cap="all" dirty="0">
+                <a:solidFill>
+                  <a:schemeClr val="tx1">
+                    <a:lumMod val="75000"/>
+                  </a:schemeClr>
+                </a:solidFill>
+                <a:latin typeface="Comic Sans MS" panose="030F0702030302020204" pitchFamily="66" charset="0"/>
+              </a:rPr>
+              <a:t>К</a:t>
+            </a:r>
+            <a:r>
+              <a:rPr lang="ru-RU" sz="1400" cap="all" dirty="0">
+                <a:solidFill>
+                  <a:schemeClr val="tx1">
+                    <a:lumMod val="75000"/>
+                  </a:schemeClr>
+                </a:solidFill>
+                <a:latin typeface="Comic Sans MS" panose="030F0702030302020204" pitchFamily="66" charset="0"/>
+              </a:rPr>
+              <a:t>локов </a:t>
+            </a:r>
+            <a:r>
+              <a:rPr lang="ru-RU" sz="2000" cap="all" dirty="0">
+                <a:solidFill>
+                  <a:schemeClr val="tx1">
+                    <a:lumMod val="75000"/>
+                  </a:schemeClr>
+                </a:solidFill>
+                <a:latin typeface="Comic Sans MS" panose="030F0702030302020204" pitchFamily="66" charset="0"/>
+              </a:rPr>
+              <a:t>А</a:t>
+            </a:r>
+            <a:r>
+              <a:rPr lang="ru-RU" sz="1400" cap="all" dirty="0">
+                <a:solidFill>
+                  <a:schemeClr val="tx1">
+                    <a:lumMod val="75000"/>
+                  </a:schemeClr>
+                </a:solidFill>
+                <a:latin typeface="Comic Sans MS" panose="030F0702030302020204" pitchFamily="66" charset="0"/>
+              </a:rPr>
+              <a:t>. </a:t>
+            </a:r>
+            <a:r>
+              <a:rPr lang="ru-RU" sz="2000" cap="all" dirty="0">
+                <a:solidFill>
+                  <a:schemeClr val="tx1">
+                    <a:lumMod val="75000"/>
+                  </a:schemeClr>
+                </a:solidFill>
+                <a:latin typeface="Comic Sans MS" panose="030F0702030302020204" pitchFamily="66" charset="0"/>
+              </a:rPr>
+              <a:t>А</a:t>
+            </a:r>
+            <a:r>
+              <a:rPr lang="ru-RU" sz="1400" cap="all" dirty="0">
+                <a:solidFill>
+                  <a:schemeClr val="tx1">
+                    <a:lumMod val="75000"/>
+                  </a:schemeClr>
+                </a:solidFill>
+                <a:latin typeface="Comic Sans MS" panose="030F0702030302020204" pitchFamily="66" charset="0"/>
+              </a:rPr>
+              <a:t>.</a:t>
+            </a:r>
+          </a:p>
+          <a:p>
+            <a:r>
+              <a:rPr lang="ru-RU" sz="2000" cap="all" dirty="0">
+                <a:solidFill>
+                  <a:schemeClr val="tx1">
+                    <a:lumMod val="75000"/>
+                  </a:schemeClr>
+                </a:solidFill>
+                <a:latin typeface="Comic Sans MS" panose="030F0702030302020204" pitchFamily="66" charset="0"/>
+              </a:rPr>
+              <a:t>С</a:t>
+            </a:r>
+            <a:r>
+              <a:rPr lang="ru-RU" sz="1400" cap="all" dirty="0">
+                <a:solidFill>
+                  <a:schemeClr val="tx1">
+                    <a:lumMod val="75000"/>
+                  </a:schemeClr>
+                </a:solidFill>
+                <a:latin typeface="Comic Sans MS" panose="030F0702030302020204" pitchFamily="66" charset="0"/>
+              </a:rPr>
+              <a:t>ычёв </a:t>
+            </a:r>
+            <a:r>
+              <a:rPr lang="ru-RU" sz="2000" cap="all" dirty="0">
+                <a:solidFill>
+                  <a:schemeClr val="tx1">
+                    <a:lumMod val="75000"/>
+                  </a:schemeClr>
+                </a:solidFill>
+                <a:latin typeface="Comic Sans MS" panose="030F0702030302020204" pitchFamily="66" charset="0"/>
+              </a:rPr>
+              <a:t>А</a:t>
+            </a:r>
+            <a:r>
+              <a:rPr lang="ru-RU" sz="1400" cap="all" dirty="0">
+                <a:solidFill>
+                  <a:schemeClr val="tx1">
+                    <a:lumMod val="75000"/>
+                  </a:schemeClr>
+                </a:solidFill>
+                <a:latin typeface="Comic Sans MS" panose="030F0702030302020204" pitchFamily="66" charset="0"/>
+              </a:rPr>
+              <a:t>. </a:t>
+            </a:r>
+            <a:r>
+              <a:rPr lang="ru-RU" sz="2000" cap="all" dirty="0">
+                <a:solidFill>
+                  <a:schemeClr val="tx1">
+                    <a:lumMod val="75000"/>
+                  </a:schemeClr>
+                </a:solidFill>
+                <a:latin typeface="Comic Sans MS" panose="030F0702030302020204" pitchFamily="66" charset="0"/>
+              </a:rPr>
+              <a:t>М</a:t>
+            </a:r>
+            <a:r>
+              <a:rPr lang="ru-RU" sz="1400" cap="all" dirty="0" smtClean="0">
+                <a:solidFill>
+                  <a:schemeClr val="tx1">
+                    <a:lumMod val="75000"/>
+                  </a:schemeClr>
+                </a:solidFill>
+                <a:latin typeface="Comic Sans MS" panose="030F0702030302020204" pitchFamily="66" charset="0"/>
+              </a:rPr>
+              <a:t>.</a:t>
+            </a:r>
+            <a:endParaRPr lang="en-US" sz="1400" cap="all" dirty="0" smtClean="0">
+              <a:solidFill>
+                <a:schemeClr val="tx1">
+                  <a:lumMod val="75000"/>
+                </a:schemeClr>
+              </a:solidFill>
+              <a:latin typeface="Comic Sans MS" panose="030F0702030302020204" pitchFamily="66" charset="0"/>
+            </a:endParaRPr>
+          </a:p>
+          <a:p>
+            <a:r>
+              <a:rPr lang="ru-RU" sz="1400" cap="all" dirty="0" err="1" smtClean="0">
+                <a:solidFill>
+                  <a:schemeClr val="tx1">
+                    <a:lumMod val="75000"/>
+                  </a:schemeClr>
+                </a:solidFill>
+                <a:latin typeface="Comic Sans MS" panose="030F0702030302020204" pitchFamily="66" charset="0"/>
+              </a:rPr>
+              <a:t>Шеляго</a:t>
+            </a:r>
+            <a:r>
+              <a:rPr lang="ru-RU" sz="1400" cap="all" dirty="0" smtClean="0">
+                <a:solidFill>
+                  <a:schemeClr val="tx1">
+                    <a:lumMod val="75000"/>
+                  </a:schemeClr>
+                </a:solidFill>
+                <a:latin typeface="Comic Sans MS" panose="030F0702030302020204" pitchFamily="66" charset="0"/>
+              </a:rPr>
+              <a:t> </a:t>
+            </a:r>
+            <a:r>
+              <a:rPr lang="ru-RU" sz="1400" cap="all" dirty="0" err="1" smtClean="0">
+                <a:solidFill>
+                  <a:schemeClr val="tx1">
+                    <a:lumMod val="75000"/>
+                  </a:schemeClr>
+                </a:solidFill>
+                <a:latin typeface="Comic Sans MS" panose="030F0702030302020204" pitchFamily="66" charset="0"/>
+              </a:rPr>
+              <a:t>н.Д</a:t>
+            </a:r>
+            <a:r>
+              <a:rPr lang="ru-RU" sz="1400" cap="all" dirty="0" smtClean="0">
+                <a:solidFill>
+                  <a:schemeClr val="tx1">
+                    <a:lumMod val="75000"/>
+                  </a:schemeClr>
+                </a:solidFill>
+                <a:latin typeface="Comic Sans MS" panose="030F0702030302020204" pitchFamily="66" charset="0"/>
+              </a:rPr>
+              <a:t>.</a:t>
+            </a:r>
+            <a:endParaRPr lang="ru-RU" sz="1400" cap="all" dirty="0">
+              <a:solidFill>
+                <a:schemeClr val="tx1">
+                  <a:lumMod val="75000"/>
+                </a:schemeClr>
+              </a:solidFill>
+              <a:latin typeface="Comic Sans MS" panose="030F0702030302020204" pitchFamily="66" charset="0"/>
+            </a:endParaRPr>
+          </a:p>
+        </p:txBody>
+      </p:sp>
     </p:spTree>
     <p:extLst>
       <p:ext uri="{BB962C8B-B14F-4D97-AF65-F5344CB8AC3E}">
@@ -12708,6 +12977,13 @@
   <p:clrMapOvr>
     <a:masterClrMapping/>
   </p:clrMapOvr>
+  <p:timing>
+    <p:tnLst>
+      <p:par>
+        <p:cTn id="1" dur="indefinite" restart="never" nodeType="tmRoot"/>
+      </p:par>
+    </p:tnLst>
+  </p:timing>
 </p:sld>
 </file>
 
@@ -12733,7 +13009,7 @@
           <p:cNvPr id="2" name="Заголовок 1">
             <a:extLst>
               <a:ext uri="{FF2B5EF4-FFF2-40B4-BE49-F238E27FC236}">
-                <a16:creationId xmlns:a16="http://schemas.microsoft.com/office/drawing/2014/main" id="{B07E16CC-F503-4B66-9D99-A4EBC5ADE9BA}"/>
+                <a16:creationId xmlns:a16="http://schemas.microsoft.com/office/drawing/2014/main" xmlns="" id="{B07E16CC-F503-4B66-9D99-A4EBC5ADE9BA}"/>
               </a:ext>
             </a:extLst>
           </p:cNvPr>
@@ -12790,7 +13066,7 @@
           <p:cNvPr id="3" name="Объект 2">
             <a:extLst>
               <a:ext uri="{FF2B5EF4-FFF2-40B4-BE49-F238E27FC236}">
-                <a16:creationId xmlns:a16="http://schemas.microsoft.com/office/drawing/2014/main" id="{19EC360F-65AB-4274-ABD5-19FD1D26BE96}"/>
+                <a16:creationId xmlns:a16="http://schemas.microsoft.com/office/drawing/2014/main" xmlns="" id="{19EC360F-65AB-4274-ABD5-19FD1D26BE96}"/>
               </a:ext>
             </a:extLst>
           </p:cNvPr>
@@ -12812,8 +13088,17 @@
               <a:rPr lang="ru-RU" sz="3200" dirty="0">
                 <a:latin typeface="Comic Sans MS" panose="030F0702030302020204" pitchFamily="66" charset="0"/>
               </a:rPr>
-              <a:t>Создание виртуальной учебной модели электродвигателя</a:t>
-            </a:r>
+              <a:t>Создание виртуальной учебной модели </a:t>
+            </a:r>
+            <a:r>
+              <a:rPr lang="ru-RU" sz="3200" dirty="0" smtClean="0">
+                <a:latin typeface="Comic Sans MS" panose="030F0702030302020204" pitchFamily="66" charset="0"/>
+              </a:rPr>
+              <a:t>электродвигателя для использования…</a:t>
+            </a:r>
+            <a:endParaRPr lang="ru-RU" sz="3200" dirty="0">
+              <a:latin typeface="Comic Sans MS" panose="030F0702030302020204" pitchFamily="66" charset="0"/>
+            </a:endParaRPr>
           </a:p>
         </p:txBody>
       </p:sp>
@@ -12827,6 +13112,13 @@
   <p:clrMapOvr>
     <a:masterClrMapping/>
   </p:clrMapOvr>
+  <p:timing>
+    <p:tnLst>
+      <p:par>
+        <p:cTn id="1" dur="indefinite" restart="never" nodeType="tmRoot"/>
+      </p:par>
+    </p:tnLst>
+  </p:timing>
 </p:sld>
 </file>
 
@@ -12852,7 +13144,7 @@
           <p:cNvPr id="3" name="Объект 2">
             <a:extLst>
               <a:ext uri="{FF2B5EF4-FFF2-40B4-BE49-F238E27FC236}">
-                <a16:creationId xmlns:a16="http://schemas.microsoft.com/office/drawing/2014/main" id="{B5F611D9-975C-424C-B9F6-15643D16A6FB}"/>
+                <a16:creationId xmlns:a16="http://schemas.microsoft.com/office/drawing/2014/main" xmlns="" id="{B5F611D9-975C-424C-B9F6-15643D16A6FB}"/>
               </a:ext>
             </a:extLst>
           </p:cNvPr>
@@ -12865,26 +13157,15 @@
         </p:nvSpPr>
         <p:spPr>
           <a:xfrm>
-            <a:off x="1225118" y="577049"/>
-            <a:ext cx="9822293" cy="5214152"/>
+            <a:off x="1151965" y="2057401"/>
+            <a:ext cx="9822293" cy="3428999"/>
           </a:xfrm>
         </p:spPr>
         <p:txBody>
           <a:bodyPr>
-            <a:normAutofit/>
+            <a:noAutofit/>
           </a:bodyPr>
           <a:lstStyle/>
-          <a:p>
-            <a:pPr marL="0" indent="0">
-              <a:buNone/>
-            </a:pPr>
-            <a:r>
-              <a:rPr lang="ru-RU" sz="3600" dirty="0">
-                <a:latin typeface="Comic Sans MS" panose="030F0702030302020204" pitchFamily="66" charset="0"/>
-              </a:rPr>
-              <a:t>Актуальность проекта:</a:t>
-            </a:r>
-          </a:p>
           <a:p>
             <a:pPr marL="0" indent="0">
               <a:buNone/>
@@ -12893,8 +13174,72 @@
               <a:rPr lang="ru-RU" sz="2800" dirty="0">
                 <a:latin typeface="Comic Sans MS" panose="030F0702030302020204" pitchFamily="66" charset="0"/>
               </a:rPr>
-              <a:t> В современном образовании всё чаще используются учебные интерактивные модели для повышения эффективности осознания материала.</a:t>
-            </a:r>
+              <a:t>* учебные интерактивные модели для повышения эффективности осознания материала</a:t>
+            </a:r>
+            <a:endParaRPr lang="ru-RU" sz="2800" dirty="0" smtClean="0">
+              <a:latin typeface="Comic Sans MS" panose="030F0702030302020204" pitchFamily="66" charset="0"/>
+            </a:endParaRPr>
+          </a:p>
+          <a:p>
+            <a:pPr marL="0" indent="0">
+              <a:buNone/>
+            </a:pPr>
+            <a:r>
+              <a:rPr lang="ru-RU" sz="2800" dirty="0" smtClean="0">
+                <a:latin typeface="Comic Sans MS" panose="030F0702030302020204" pitchFamily="66" charset="0"/>
+              </a:rPr>
+              <a:t>* </a:t>
+            </a:r>
+            <a:r>
+              <a:rPr lang="ru-RU" sz="2800" dirty="0" err="1" smtClean="0">
+                <a:latin typeface="Comic Sans MS" panose="030F0702030302020204" pitchFamily="66" charset="0"/>
+              </a:rPr>
+              <a:t>Осутсвие</a:t>
+            </a:r>
+            <a:r>
+              <a:rPr lang="ru-RU" sz="2800" dirty="0" smtClean="0">
+                <a:latin typeface="Comic Sans MS" panose="030F0702030302020204" pitchFamily="66" charset="0"/>
+              </a:rPr>
+              <a:t> </a:t>
+            </a:r>
+            <a:r>
+              <a:rPr lang="ru-RU" sz="2800" dirty="0" err="1" smtClean="0">
+                <a:latin typeface="Comic Sans MS" panose="030F0702030302020204" pitchFamily="66" charset="0"/>
+              </a:rPr>
+              <a:t>физ</a:t>
+            </a:r>
+            <a:r>
+              <a:rPr lang="ru-RU" sz="2800" dirty="0" smtClean="0">
+                <a:latin typeface="Comic Sans MS" panose="030F0702030302020204" pitchFamily="66" charset="0"/>
+              </a:rPr>
+              <a:t> моделей в школах</a:t>
+            </a:r>
+          </a:p>
+          <a:p>
+            <a:pPr marL="0" indent="0">
+              <a:buNone/>
+            </a:pPr>
+            <a:r>
+              <a:rPr lang="ru-RU" sz="2800" dirty="0" smtClean="0">
+                <a:latin typeface="Comic Sans MS" panose="030F0702030302020204" pitchFamily="66" charset="0"/>
+              </a:rPr>
+              <a:t>В </a:t>
+            </a:r>
+            <a:r>
+              <a:rPr lang="ru-RU" sz="2800" dirty="0">
+                <a:latin typeface="Comic Sans MS" panose="030F0702030302020204" pitchFamily="66" charset="0"/>
+              </a:rPr>
+              <a:t>современном образовании всё чаще используются учебные интерактивные модели для повышения эффективности осознания материала</a:t>
+            </a:r>
+            <a:r>
+              <a:rPr lang="ru-RU" sz="2800" dirty="0" smtClean="0">
+                <a:latin typeface="Comic Sans MS" panose="030F0702030302020204" pitchFamily="66" charset="0"/>
+              </a:rPr>
+              <a:t>.</a:t>
+            </a:r>
+            <a:endParaRPr lang="ru-RU" sz="2800" dirty="0">
+              <a:latin typeface="Comic Sans MS" panose="030F0702030302020204" pitchFamily="66" charset="0"/>
+            </a:endParaRPr>
           </a:p>
           <a:p>
             <a:pPr marL="0" indent="0">
@@ -12918,6 +13263,46 @@
               </a:rPr>
               <a:t>-модели электродвигателя это хороший инструмент для обучения студентов и школьников.</a:t>
             </a:r>
+          </a:p>
+        </p:txBody>
+      </p:sp>
+      <p:sp>
+        <p:nvSpPr>
+          <p:cNvPr id="4" name="TextBox 3"/>
+          <p:cNvSpPr txBox="1"/>
+          <p:nvPr/>
+        </p:nvSpPr>
+        <p:spPr>
+          <a:xfrm>
+            <a:off x="3095884" y="384048"/>
+            <a:ext cx="5934456" cy="646331"/>
+          </a:xfrm>
+          <a:prstGeom prst="rect">
+            <a:avLst/>
+          </a:prstGeom>
+          <a:noFill/>
+        </p:spPr>
+        <p:txBody>
+          <a:bodyPr wrap="square" rtlCol="0">
+            <a:spAutoFit/>
+          </a:bodyPr>
+          <a:lstStyle/>
+          <a:p>
+            <a:r>
+              <a:rPr lang="ru-RU" sz="3600" dirty="0" smtClean="0">
+                <a:latin typeface="Comic Sans MS" panose="030F0702030302020204" pitchFamily="66" charset="0"/>
+              </a:rPr>
+              <a:t>Актуальность проекта</a:t>
+            </a:r>
+            <a:r>
+              <a:rPr lang="en-US" sz="3600" dirty="0" smtClean="0">
+                <a:latin typeface="Comic Sans MS" panose="030F0702030302020204" pitchFamily="66" charset="0"/>
+              </a:rPr>
+              <a:t>:</a:t>
+            </a:r>
+            <a:endParaRPr lang="ru-RU" sz="3600" dirty="0">
+              <a:latin typeface="Comic Sans MS" panose="030F0702030302020204" pitchFamily="66" charset="0"/>
+            </a:endParaRPr>
           </a:p>
         </p:txBody>
       </p:sp>
@@ -12931,6 +13316,13 @@
   <p:clrMapOvr>
     <a:masterClrMapping/>
   </p:clrMapOvr>
+  <p:timing>
+    <p:tnLst>
+      <p:par>
+        <p:cTn id="1" dur="indefinite" restart="never" nodeType="tmRoot"/>
+      </p:par>
+    </p:tnLst>
+  </p:timing>
 </p:sld>
 </file>
 
@@ -12956,7 +13348,7 @@
           <p:cNvPr id="2" name="Заголовок 1">
             <a:extLst>
               <a:ext uri="{FF2B5EF4-FFF2-40B4-BE49-F238E27FC236}">
-                <a16:creationId xmlns:a16="http://schemas.microsoft.com/office/drawing/2014/main" id="{3DAAC47C-B355-428A-9730-3DCA6782D98F}"/>
+                <a16:creationId xmlns:a16="http://schemas.microsoft.com/office/drawing/2014/main" xmlns="" id="{3DAAC47C-B355-428A-9730-3DCA6782D98F}"/>
               </a:ext>
             </a:extLst>
           </p:cNvPr>
@@ -13000,7 +13392,7 @@
           <p:cNvPr id="3" name="Объект 2">
             <a:extLst>
               <a:ext uri="{FF2B5EF4-FFF2-40B4-BE49-F238E27FC236}">
-                <a16:creationId xmlns:a16="http://schemas.microsoft.com/office/drawing/2014/main" id="{830D18D6-6630-433D-AFF3-CB43ED8E6C78}"/>
+                <a16:creationId xmlns:a16="http://schemas.microsoft.com/office/drawing/2014/main" xmlns="" id="{830D18D6-6630-433D-AFF3-CB43ED8E6C78}"/>
               </a:ext>
             </a:extLst>
           </p:cNvPr>
@@ -13031,8 +13423,19 @@
                 <a:effectLst/>
                 <a:latin typeface="Comic Sans MS" panose="030F0702030302020204" pitchFamily="66" charset="0"/>
               </a:rPr>
-              <a:t>1. Определить целевую аудиторию</a:t>
-            </a:r>
+              <a:t>1. </a:t>
+            </a:r>
+            <a:r>
+              <a:rPr lang="ru-RU" sz="2800" b="0" i="0" dirty="0" smtClean="0">
+                <a:effectLst/>
+                <a:latin typeface="Comic Sans MS" panose="030F0702030302020204" pitchFamily="66" charset="0"/>
+              </a:rPr>
+              <a:t>Определить целевую аудиторию</a:t>
+            </a:r>
+            <a:endParaRPr lang="ru-RU" sz="2800" b="0" i="0" dirty="0">
+              <a:effectLst/>
+              <a:latin typeface="Comic Sans MS" panose="030F0702030302020204" pitchFamily="66" charset="0"/>
+            </a:endParaRPr>
           </a:p>
           <a:p>
             <a:pPr marL="0" indent="0" algn="l">
@@ -13043,8 +13446,19 @@
                 <a:effectLst/>
                 <a:latin typeface="Comic Sans MS" panose="030F0702030302020204" pitchFamily="66" charset="0"/>
               </a:rPr>
-              <a:t>2.​​​​​​​ Определить уровень сложности модели</a:t>
-            </a:r>
+              <a:t>2.​​​​​​​ </a:t>
+            </a:r>
+            <a:r>
+              <a:rPr lang="ru-RU" sz="2800" b="0" i="0" dirty="0" smtClean="0">
+                <a:effectLst/>
+                <a:latin typeface="Comic Sans MS" panose="030F0702030302020204" pitchFamily="66" charset="0"/>
+              </a:rPr>
+              <a:t>Определить уровень сложности модели</a:t>
+            </a:r>
+            <a:endParaRPr lang="ru-RU" sz="2800" b="0" i="0" dirty="0">
+              <a:effectLst/>
+              <a:latin typeface="Comic Sans MS" panose="030F0702030302020204" pitchFamily="66" charset="0"/>
+            </a:endParaRPr>
           </a:p>
           <a:p>
             <a:pPr marL="0" indent="0" algn="l">
@@ -13055,41 +13469,65 @@
                 <a:effectLst/>
                 <a:latin typeface="Comic Sans MS" panose="030F0702030302020204" pitchFamily="66" charset="0"/>
               </a:rPr>
-              <a:t>3. Обеспечение взаимодействия с моделью</a:t>
-            </a:r>
-          </a:p>
-          <a:p>
-            <a:pPr marL="0" indent="0" algn="l">
-              <a:buNone/>
-            </a:pPr>
-            <a:r>
-              <a:rPr lang="ru-RU" sz="2800" b="0" i="0" dirty="0">
+              <a:t>3. </a:t>
+            </a:r>
+            <a:r>
+              <a:rPr lang="ru-RU" sz="2800" b="0" i="0" dirty="0" smtClean="0">
                 <a:effectLst/>
                 <a:latin typeface="Comic Sans MS" panose="030F0702030302020204" pitchFamily="66" charset="0"/>
               </a:rPr>
-              <a:t>​​​​​​​4. Создание модели</a:t>
-            </a:r>
+              <a:t>Обеспечить взаимодействия с моделью</a:t>
+            </a:r>
+            <a:endParaRPr lang="ru-RU" sz="2800" b="0" i="0" dirty="0">
+              <a:effectLst/>
+              <a:latin typeface="Comic Sans MS" panose="030F0702030302020204" pitchFamily="66" charset="0"/>
+            </a:endParaRPr>
           </a:p>
           <a:p>
             <a:pPr marL="0" indent="0" algn="l">
               <a:buNone/>
             </a:pPr>
             <a:r>
-              <a:rPr lang="ru-RU" sz="2800" dirty="0">
-                <a:latin typeface="Comic Sans MS" panose="030F0702030302020204" pitchFamily="66" charset="0"/>
-              </a:rPr>
-              <a:t>5.</a:t>
-            </a:r>
-            <a:r>
-              <a:rPr lang="ru-RU" sz="2800" b="0" i="0" dirty="0">
+              <a:rPr lang="ru-RU" sz="2800" b="0" i="0" dirty="0" smtClean="0">
                 <a:effectLst/>
                 <a:latin typeface="Comic Sans MS" panose="030F0702030302020204" pitchFamily="66" charset="0"/>
               </a:rPr>
-              <a:t> Создание презентационных материалов</a:t>
-            </a:r>
-          </a:p>
-          <a:p>
-            <a:endParaRPr lang="ru-RU" dirty="0"/>
+              <a:t>​​​​​​​4. Создать </a:t>
+            </a:r>
+            <a:r>
+              <a:rPr lang="ru-RU" sz="2800" b="0" i="0" dirty="0" smtClean="0">
+                <a:effectLst/>
+                <a:latin typeface="Comic Sans MS" panose="030F0702030302020204" pitchFamily="66" charset="0"/>
+              </a:rPr>
+              <a:t>модели</a:t>
+            </a:r>
+          </a:p>
+          <a:p>
+            <a:pPr marL="0" indent="0" algn="l">
+              <a:buNone/>
+            </a:pPr>
+            <a:r>
+              <a:rPr lang="ru-RU" sz="2800" dirty="0" smtClean="0">
+                <a:latin typeface="Comic Sans MS" panose="030F0702030302020204" pitchFamily="66" charset="0"/>
+              </a:rPr>
+              <a:t>5. Разработать и реализовать итоговый </a:t>
+            </a:r>
+            <a:r>
+              <a:rPr lang="ru-RU" sz="2800" dirty="0" err="1" smtClean="0">
+                <a:latin typeface="Comic Sans MS" panose="030F0702030302020204" pitchFamily="66" charset="0"/>
+              </a:rPr>
+              <a:t>програмный</a:t>
+            </a:r>
+            <a:r>
+              <a:rPr lang="ru-RU" sz="2800" dirty="0" smtClean="0">
+                <a:latin typeface="Comic Sans MS" panose="030F0702030302020204" pitchFamily="66" charset="0"/>
+              </a:rPr>
+              <a:t> продукт</a:t>
+            </a:r>
+            <a:endParaRPr lang="ru-RU" sz="2800" b="0" i="0" dirty="0" smtClean="0">
+              <a:effectLst/>
+              <a:latin typeface="Comic Sans MS" panose="030F0702030302020204" pitchFamily="66" charset="0"/>
+            </a:endParaRPr>
           </a:p>
         </p:txBody>
       </p:sp>
@@ -13103,6 +13541,13 @@
   <p:clrMapOvr>
     <a:masterClrMapping/>
   </p:clrMapOvr>
+  <p:timing>
+    <p:tnLst>
+      <p:par>
+        <p:cTn id="1" dur="indefinite" restart="never" nodeType="tmRoot"/>
+      </p:par>
+    </p:tnLst>
+  </p:timing>
 </p:sld>
 </file>
 
@@ -13128,7 +13573,7 @@
           <p:cNvPr id="2" name="Заголовок 1">
             <a:extLst>
               <a:ext uri="{FF2B5EF4-FFF2-40B4-BE49-F238E27FC236}">
-                <a16:creationId xmlns:a16="http://schemas.microsoft.com/office/drawing/2014/main" id="{01A03B06-BEF2-43A3-A9AB-E4843A7043B7}"/>
+                <a16:creationId xmlns:a16="http://schemas.microsoft.com/office/drawing/2014/main" xmlns="" id="{3DAAC47C-B355-428A-9730-3DCA6782D98F}"/>
               </a:ext>
             </a:extLst>
           </p:cNvPr>
@@ -13139,18 +13584,36 @@
             <p:ph type="title"/>
           </p:nvPr>
         </p:nvSpPr>
-        <p:spPr/>
+        <p:spPr>
+          <a:xfrm>
+            <a:off x="2239707" y="325972"/>
+            <a:ext cx="7709407" cy="1923514"/>
+          </a:xfrm>
+        </p:spPr>
         <p:txBody>
           <a:bodyPr>
             <a:normAutofit/>
           </a:bodyPr>
           <a:lstStyle/>
           <a:p>
-            <a:r>
-              <a:rPr lang="ru-RU" sz="4000" dirty="0">
+            <a:pPr algn="ctr"/>
+            <a:r>
+              <a:rPr lang="ru-RU" sz="4400" dirty="0" smtClean="0">
                 <a:latin typeface="Comic Sans MS" panose="030F0702030302020204" pitchFamily="66" charset="0"/>
               </a:rPr>
-              <a:t>Вывод:</a:t>
+              <a:t>Этапы создания  </a:t>
+            </a:r>
+            <a:r>
+              <a:rPr lang="ru-RU" sz="4400" dirty="0">
+                <a:latin typeface="Comic Sans MS" panose="030F0702030302020204" pitchFamily="66" charset="0"/>
+              </a:rPr>
+              <a:t>П</a:t>
+            </a:r>
+            <a:r>
+              <a:rPr lang="ru-RU" dirty="0">
+                <a:latin typeface="Comic Sans MS" panose="030F0702030302020204" pitchFamily="66" charset="0"/>
+              </a:rPr>
+              <a:t>роекта</a:t>
             </a:r>
           </a:p>
         </p:txBody>
@@ -13160,7 +13623,7 @@
           <p:cNvPr id="3" name="Объект 2">
             <a:extLst>
               <a:ext uri="{FF2B5EF4-FFF2-40B4-BE49-F238E27FC236}">
-                <a16:creationId xmlns:a16="http://schemas.microsoft.com/office/drawing/2014/main" id="{6CEBD85F-9EA0-4F9F-90A0-9CE478AB5972}"/>
+                <a16:creationId xmlns:a16="http://schemas.microsoft.com/office/drawing/2014/main" xmlns="" id="{830D18D6-6630-433D-AFF3-CB43ED8E6C78}"/>
               </a:ext>
             </a:extLst>
           </p:cNvPr>
@@ -13173,13 +13636,13 @@
         </p:nvSpPr>
         <p:spPr>
           <a:xfrm>
-            <a:off x="1141413" y="1837678"/>
-            <a:ext cx="9905998" cy="4696287"/>
+            <a:off x="1177989" y="2651823"/>
+            <a:ext cx="8212900" cy="3255202"/>
           </a:xfrm>
         </p:spPr>
         <p:txBody>
           <a:bodyPr>
-            <a:noAutofit/>
+            <a:normAutofit/>
           </a:bodyPr>
           <a:lstStyle/>
           <a:p>
@@ -13190,28 +13653,40 @@
               <a:rPr lang="ru-RU" sz="2800" dirty="0">
                 <a:latin typeface="Comic Sans MS" panose="030F0702030302020204" pitchFamily="66" charset="0"/>
               </a:rPr>
-              <a:t>В </a:t>
-            </a:r>
-            <a:r>
-              <a:rPr lang="ru-RU" sz="2800" b="0" i="0" dirty="0">
-                <a:effectLst/>
+              <a:t>1. Создание концепта</a:t>
+            </a:r>
+          </a:p>
+          <a:p>
+            <a:pPr marL="0" indent="0">
+              <a:buNone/>
+            </a:pPr>
+            <a:r>
+              <a:rPr lang="ru-RU" sz="2800" dirty="0">
                 <a:latin typeface="Comic Sans MS" panose="030F0702030302020204" pitchFamily="66" charset="0"/>
               </a:rPr>
-              <a:t> заключение, создание учебной  модели электродвигателя – это многогранная задача, требующая сочетания инженерных знаний, навыков программирования и 3</a:t>
-            </a:r>
-            <a:r>
-              <a:rPr lang="en-US" sz="2800" b="0" i="0" dirty="0">
-                <a:effectLst/>
+              <a:t>2.​​​​​​​ Создание 3д модели</a:t>
+            </a:r>
+          </a:p>
+          <a:p>
+            <a:pPr marL="0" indent="0">
+              <a:buNone/>
+            </a:pPr>
+            <a:r>
+              <a:rPr lang="ru-RU" sz="2800" dirty="0">
                 <a:latin typeface="Comic Sans MS" panose="030F0702030302020204" pitchFamily="66" charset="0"/>
               </a:rPr>
-              <a:t>D-</a:t>
-            </a:r>
-            <a:r>
-              <a:rPr lang="ru-RU" sz="2800" b="0" i="0" dirty="0">
-                <a:effectLst/>
+              <a:t>3. Написание программы</a:t>
+            </a:r>
+          </a:p>
+          <a:p>
+            <a:pPr marL="0" indent="0">
+              <a:buNone/>
+            </a:pPr>
+            <a:r>
+              <a:rPr lang="ru-RU" sz="2800" dirty="0" smtClean="0">
                 <a:latin typeface="Comic Sans MS" panose="030F0702030302020204" pitchFamily="66" charset="0"/>
               </a:rPr>
-              <a:t>моделирования. Реализация этого проекта является ценным инструментом для современного образования, способствуя углубленному пониманию фундаментальных законов физики и электротехники.</a:t>
+              <a:t>​​​​</a:t>
             </a:r>
             <a:endParaRPr lang="ru-RU" sz="2800" dirty="0">
               <a:latin typeface="Comic Sans MS" panose="030F0702030302020204" pitchFamily="66" charset="0"/>
@@ -13222,13 +13697,20 @@
     </p:spTree>
     <p:extLst>
       <p:ext uri="{BB962C8B-B14F-4D97-AF65-F5344CB8AC3E}">
-        <p14:creationId xmlns:p14="http://schemas.microsoft.com/office/powerpoint/2010/main" val="2381309180"/>
+        <p14:creationId xmlns:p14="http://schemas.microsoft.com/office/powerpoint/2010/main" val="3231881387"/>
       </p:ext>
     </p:extLst>
   </p:cSld>
   <p:clrMapOvr>
     <a:masterClrMapping/>
   </p:clrMapOvr>
+  <p:timing>
+    <p:tnLst>
+      <p:par>
+        <p:cTn id="1" dur="indefinite" restart="never" nodeType="tmRoot"/>
+      </p:par>
+    </p:tnLst>
+  </p:timing>
 </p:sld>
 </file>
 
@@ -13251,10 +13733,51 @@
       </p:grpSpPr>
       <p:sp>
         <p:nvSpPr>
+          <p:cNvPr id="2" name="Заголовок 1">
+            <a:extLst>
+              <a:ext uri="{FF2B5EF4-FFF2-40B4-BE49-F238E27FC236}">
+                <a16:creationId xmlns:a16="http://schemas.microsoft.com/office/drawing/2014/main" xmlns="" id="{3DAAC47C-B355-428A-9730-3DCA6782D98F}"/>
+              </a:ext>
+            </a:extLst>
+          </p:cNvPr>
+          <p:cNvSpPr>
+            <a:spLocks noGrp="1"/>
+          </p:cNvSpPr>
+          <p:nvPr>
+            <p:ph type="title"/>
+          </p:nvPr>
+        </p:nvSpPr>
+        <p:spPr>
+          <a:xfrm>
+            <a:off x="2962813" y="335054"/>
+            <a:ext cx="6263196" cy="1478570"/>
+          </a:xfrm>
+        </p:spPr>
+        <p:txBody>
+          <a:bodyPr>
+            <a:normAutofit/>
+          </a:bodyPr>
+          <a:lstStyle/>
+          <a:p>
+            <a:pPr algn="ctr"/>
+            <a:r>
+              <a:rPr lang="ru-RU" sz="4400" dirty="0" smtClean="0">
+                <a:latin typeface="Comic Sans MS" panose="030F0702030302020204" pitchFamily="66" charset="0"/>
+              </a:rPr>
+              <a:t>Создание модели</a:t>
+            </a:r>
+            <a:endParaRPr lang="ru-RU" dirty="0">
+              <a:latin typeface="Comic Sans MS" panose="030F0702030302020204" pitchFamily="66" charset="0"/>
+            </a:endParaRPr>
+          </a:p>
+        </p:txBody>
+      </p:sp>
+      <p:sp>
+        <p:nvSpPr>
           <p:cNvPr id="3" name="Объект 2">
             <a:extLst>
               <a:ext uri="{FF2B5EF4-FFF2-40B4-BE49-F238E27FC236}">
-                <a16:creationId xmlns:a16="http://schemas.microsoft.com/office/drawing/2014/main" id="{8018AC76-282C-4EFA-9E02-09D06D4AF115}"/>
+                <a16:creationId xmlns:a16="http://schemas.microsoft.com/office/drawing/2014/main" xmlns="" id="{830D18D6-6630-433D-AFF3-CB43ED8E6C78}"/>
               </a:ext>
             </a:extLst>
           </p:cNvPr>
@@ -13267,8 +13790,8 @@
         </p:nvSpPr>
         <p:spPr>
           <a:xfrm>
-            <a:off x="1141412" y="976544"/>
-            <a:ext cx="9905999" cy="4814657"/>
+            <a:off x="1013397" y="1813624"/>
+            <a:ext cx="5954332" cy="4202113"/>
           </a:xfrm>
         </p:spPr>
         <p:txBody>
@@ -13277,40 +13800,94 @@
           </a:bodyPr>
           <a:lstStyle/>
           <a:p>
-            <a:pPr marL="0" indent="0">
-              <a:buNone/>
+            <a:pPr marL="514350" indent="-514350" algn="l">
+              <a:buAutoNum type="arabicPeriod"/>
             </a:pPr>
             <a:r>
-              <a:rPr lang="ru-RU" sz="2800" b="0" i="0" dirty="0">
+              <a:rPr lang="ru-RU" sz="2800" b="0" i="0" dirty="0" smtClean="0">
                 <a:effectLst/>
                 <a:latin typeface="Comic Sans MS" panose="030F0702030302020204" pitchFamily="66" charset="0"/>
               </a:rPr>
-              <a:t>Важным аспектом является возможность модификации параметров двигателя и мгновенная оценка последствий этих изменений. Это позволяет учащимся понять взаимосвязи между конструктивными особенностями и эксплуатационными характеристиками электродвигателя.</a:t>
-            </a:r>
-          </a:p>
-          <a:p>
-            <a:pPr marL="0" indent="0" algn="ctr">
-              <a:buNone/>
+              <a:t>Изучение строения электродвигателя</a:t>
+            </a:r>
+            <a:endParaRPr lang="ru-RU" dirty="0">
+              <a:latin typeface="Comic Sans MS" panose="030F0702030302020204" pitchFamily="66" charset="0"/>
+            </a:endParaRPr>
+          </a:p>
+          <a:p>
+            <a:pPr marL="514350" indent="-514350" algn="l">
+              <a:buAutoNum type="arabicPeriod"/>
             </a:pPr>
             <a:r>
-              <a:rPr lang="ru-RU" sz="2800" dirty="0">
+              <a:rPr lang="ru-RU" sz="2800" dirty="0" smtClean="0">
                 <a:latin typeface="Comic Sans MS" panose="030F0702030302020204" pitchFamily="66" charset="0"/>
               </a:rPr>
-              <a:t>(можешь удалить если хочешь)</a:t>
+              <a:t>Создание отдельных моделей под каждую часть электродвигателя</a:t>
+            </a:r>
+            <a:endParaRPr lang="ru-RU" dirty="0">
+              <a:latin typeface="Comic Sans MS" panose="030F0702030302020204" pitchFamily="66" charset="0"/>
+            </a:endParaRPr>
+          </a:p>
+          <a:p>
+            <a:pPr marL="514350" indent="-514350" algn="l">
+              <a:buAutoNum type="arabicPeriod"/>
+            </a:pPr>
+            <a:r>
+              <a:rPr lang="ru-RU" sz="2800" dirty="0" smtClean="0">
+                <a:latin typeface="Comic Sans MS" panose="030F0702030302020204" pitchFamily="66" charset="0"/>
+              </a:rPr>
+              <a:t>Соединение всех моделей в одну</a:t>
             </a:r>
           </a:p>
         </p:txBody>
       </p:sp>
+      <p:pic>
+        <p:nvPicPr>
+          <p:cNvPr id="5" name="Рисунок 4"/>
+          <p:cNvPicPr>
+            <a:picLocks noChangeAspect="1"/>
+          </p:cNvPicPr>
+          <p:nvPr/>
+        </p:nvPicPr>
+        <p:blipFill>
+          <a:blip r:embed="rId2">
+            <a:extLst>
+              <a:ext uri="{28A0092B-C50C-407E-A947-70E740481C1C}">
+                <a14:useLocalDpi xmlns:a14="http://schemas.microsoft.com/office/drawing/2010/main" val="0"/>
+              </a:ext>
+            </a:extLst>
+          </a:blip>
+          <a:stretch>
+            <a:fillRect/>
+          </a:stretch>
+        </p:blipFill>
+        <p:spPr>
+          <a:xfrm>
+            <a:off x="6967729" y="1813624"/>
+            <a:ext cx="4398263" cy="4255063"/>
+          </a:xfrm>
+          <a:prstGeom prst="rect">
+            <a:avLst/>
+          </a:prstGeom>
+        </p:spPr>
+      </p:pic>
     </p:spTree>
     <p:extLst>
       <p:ext uri="{BB962C8B-B14F-4D97-AF65-F5344CB8AC3E}">
-        <p14:creationId xmlns:p14="http://schemas.microsoft.com/office/powerpoint/2010/main" val="642127561"/>
+        <p14:creationId xmlns:p14="http://schemas.microsoft.com/office/powerpoint/2010/main" val="3340796169"/>
       </p:ext>
     </p:extLst>
   </p:cSld>
   <p:clrMapOvr>
     <a:masterClrMapping/>
   </p:clrMapOvr>
+  <p:timing>
+    <p:tnLst>
+      <p:par>
+        <p:cTn id="1" dur="indefinite" restart="never" nodeType="tmRoot"/>
+      </p:par>
+    </p:tnLst>
+  </p:timing>
 </p:sld>
 </file>
 
@@ -13336,7 +13913,487 @@
           <p:cNvPr id="2" name="Заголовок 1">
             <a:extLst>
               <a:ext uri="{FF2B5EF4-FFF2-40B4-BE49-F238E27FC236}">
-                <a16:creationId xmlns:a16="http://schemas.microsoft.com/office/drawing/2014/main" id="{F505A6A9-6908-44F5-96BE-4E2260F9515F}"/>
+                <a16:creationId xmlns:a16="http://schemas.microsoft.com/office/drawing/2014/main" xmlns="" id="{3DAAC47C-B355-428A-9730-3DCA6782D98F}"/>
+              </a:ext>
+            </a:extLst>
+          </p:cNvPr>
+          <p:cNvSpPr>
+            <a:spLocks noGrp="1"/>
+          </p:cNvSpPr>
+          <p:nvPr>
+            <p:ph type="title"/>
+          </p:nvPr>
+        </p:nvSpPr>
+        <p:spPr>
+          <a:xfrm>
+            <a:off x="2272386" y="316766"/>
+            <a:ext cx="7644050" cy="1478570"/>
+          </a:xfrm>
+        </p:spPr>
+        <p:txBody>
+          <a:bodyPr>
+            <a:normAutofit/>
+          </a:bodyPr>
+          <a:lstStyle/>
+          <a:p>
+            <a:pPr algn="ctr"/>
+            <a:r>
+              <a:rPr lang="ru-RU" sz="4400" dirty="0" smtClean="0">
+                <a:latin typeface="Comic Sans MS" panose="030F0702030302020204" pitchFamily="66" charset="0"/>
+              </a:rPr>
+              <a:t>Создание Программы</a:t>
+            </a:r>
+            <a:endParaRPr lang="ru-RU" dirty="0">
+              <a:latin typeface="Comic Sans MS" panose="030F0702030302020204" pitchFamily="66" charset="0"/>
+            </a:endParaRPr>
+          </a:p>
+        </p:txBody>
+      </p:sp>
+      <p:sp>
+        <p:nvSpPr>
+          <p:cNvPr id="3" name="Объект 2">
+            <a:extLst>
+              <a:ext uri="{FF2B5EF4-FFF2-40B4-BE49-F238E27FC236}">
+                <a16:creationId xmlns:a16="http://schemas.microsoft.com/office/drawing/2014/main" xmlns="" id="{830D18D6-6630-433D-AFF3-CB43ED8E6C78}"/>
+              </a:ext>
+            </a:extLst>
+          </p:cNvPr>
+          <p:cNvSpPr>
+            <a:spLocks noGrp="1"/>
+          </p:cNvSpPr>
+          <p:nvPr>
+            <p:ph idx="1"/>
+          </p:nvPr>
+        </p:nvSpPr>
+        <p:spPr>
+          <a:xfrm>
+            <a:off x="1141413" y="1795336"/>
+            <a:ext cx="5049075" cy="4656263"/>
+          </a:xfrm>
+        </p:spPr>
+        <p:txBody>
+          <a:bodyPr>
+            <a:normAutofit fontScale="85000" lnSpcReduction="20000"/>
+          </a:bodyPr>
+          <a:lstStyle/>
+          <a:p>
+            <a:pPr marL="0" indent="0">
+              <a:buNone/>
+            </a:pPr>
+            <a:r>
+              <a:rPr lang="ru-RU" sz="2800" b="0" i="0" dirty="0">
+                <a:effectLst/>
+                <a:latin typeface="Comic Sans MS" panose="030F0702030302020204" pitchFamily="66" charset="0"/>
+              </a:rPr>
+              <a:t>1. </a:t>
+            </a:r>
+            <a:r>
+              <a:rPr lang="ru-RU" sz="2800" dirty="0">
+                <a:latin typeface="Comic Sans MS" panose="030F0702030302020204" pitchFamily="66" charset="0"/>
+              </a:rPr>
+              <a:t>Создание дизайна </a:t>
+            </a:r>
+            <a:r>
+              <a:rPr lang="ru-RU" sz="2800" dirty="0" smtClean="0">
+                <a:latin typeface="Comic Sans MS" panose="030F0702030302020204" pitchFamily="66" charset="0"/>
+              </a:rPr>
+              <a:t>программы</a:t>
+            </a:r>
+            <a:endParaRPr lang="ru-RU" sz="2800" b="0" i="0" dirty="0" smtClean="0">
+              <a:effectLst/>
+              <a:latin typeface="Comic Sans MS" panose="030F0702030302020204" pitchFamily="66" charset="0"/>
+            </a:endParaRPr>
+          </a:p>
+          <a:p>
+            <a:pPr marL="0" indent="0">
+              <a:buNone/>
+            </a:pPr>
+            <a:r>
+              <a:rPr lang="ru-RU" sz="2800" b="0" i="0" dirty="0" smtClean="0">
+                <a:effectLst/>
+                <a:latin typeface="Comic Sans MS" panose="030F0702030302020204" pitchFamily="66" charset="0"/>
+              </a:rPr>
+              <a:t>2</a:t>
+            </a:r>
+            <a:r>
+              <a:rPr lang="ru-RU" sz="2800" b="0" i="0" dirty="0">
+                <a:effectLst/>
+                <a:latin typeface="Comic Sans MS" panose="030F0702030302020204" pitchFamily="66" charset="0"/>
+              </a:rPr>
+              <a:t>.​​​​​​​ </a:t>
+            </a:r>
+            <a:r>
+              <a:rPr lang="ru-RU" sz="2800" dirty="0">
+                <a:latin typeface="Comic Sans MS" panose="030F0702030302020204" pitchFamily="66" charset="0"/>
+              </a:rPr>
+              <a:t>Нахождение </a:t>
+            </a:r>
+            <a:r>
+              <a:rPr lang="ru-RU" sz="2800" dirty="0" smtClean="0">
+                <a:latin typeface="Comic Sans MS" panose="030F0702030302020204" pitchFamily="66" charset="0"/>
+              </a:rPr>
+              <a:t>необходимых библиотек</a:t>
+            </a:r>
+            <a:endParaRPr lang="ru-RU" sz="2800" dirty="0">
+              <a:latin typeface="Comic Sans MS" panose="030F0702030302020204" pitchFamily="66" charset="0"/>
+            </a:endParaRPr>
+          </a:p>
+          <a:p>
+            <a:pPr marL="0" indent="0" algn="l">
+              <a:buNone/>
+            </a:pPr>
+            <a:r>
+              <a:rPr lang="ru-RU" sz="2800" b="0" i="0" dirty="0" smtClean="0">
+                <a:effectLst/>
+                <a:latin typeface="Comic Sans MS" panose="030F0702030302020204" pitchFamily="66" charset="0"/>
+              </a:rPr>
+              <a:t>3</a:t>
+            </a:r>
+            <a:r>
+              <a:rPr lang="ru-RU" sz="2800" b="0" i="0" dirty="0">
+                <a:effectLst/>
+                <a:latin typeface="Comic Sans MS" panose="030F0702030302020204" pitchFamily="66" charset="0"/>
+              </a:rPr>
+              <a:t>. </a:t>
+            </a:r>
+            <a:r>
+              <a:rPr lang="ru-RU" sz="2800" b="0" i="0" dirty="0" smtClean="0">
+                <a:effectLst/>
+                <a:latin typeface="Comic Sans MS" panose="030F0702030302020204" pitchFamily="66" charset="0"/>
+              </a:rPr>
+              <a:t>Написание интерфейса программы (</a:t>
+            </a:r>
+            <a:r>
+              <a:rPr lang="en-US" sz="2800" b="0" i="0" dirty="0" smtClean="0">
+                <a:effectLst/>
+                <a:latin typeface="Comic Sans MS" panose="030F0702030302020204" pitchFamily="66" charset="0"/>
+              </a:rPr>
+              <a:t>UI</a:t>
+            </a:r>
+            <a:r>
+              <a:rPr lang="ru-RU" sz="2800" b="0" i="0" dirty="0" smtClean="0">
+                <a:effectLst/>
+                <a:latin typeface="Comic Sans MS" panose="030F0702030302020204" pitchFamily="66" charset="0"/>
+              </a:rPr>
+              <a:t>)</a:t>
+            </a:r>
+          </a:p>
+          <a:p>
+            <a:pPr marL="0" indent="0" algn="l">
+              <a:buNone/>
+            </a:pPr>
+            <a:r>
+              <a:rPr lang="ru-RU" sz="2800" b="0" i="0" dirty="0" smtClean="0">
+                <a:effectLst/>
+                <a:latin typeface="Comic Sans MS" panose="030F0702030302020204" pitchFamily="66" charset="0"/>
+              </a:rPr>
+              <a:t>​​​​​​​4. Написание основного кода</a:t>
+            </a:r>
+          </a:p>
+          <a:p>
+            <a:pPr marL="0" indent="0" algn="l">
+              <a:buNone/>
+            </a:pPr>
+            <a:r>
+              <a:rPr lang="ru-RU" sz="2800" dirty="0" smtClean="0">
+                <a:latin typeface="Comic Sans MS" panose="030F0702030302020204" pitchFamily="66" charset="0"/>
+              </a:rPr>
+              <a:t>5</a:t>
+            </a:r>
+            <a:r>
+              <a:rPr lang="ru-RU" sz="2800" dirty="0">
+                <a:latin typeface="Comic Sans MS" panose="030F0702030302020204" pitchFamily="66" charset="0"/>
+              </a:rPr>
+              <a:t>.</a:t>
+            </a:r>
+            <a:r>
+              <a:rPr lang="ru-RU" sz="2800" b="0" i="0" dirty="0">
+                <a:effectLst/>
+                <a:latin typeface="Comic Sans MS" panose="030F0702030302020204" pitchFamily="66" charset="0"/>
+              </a:rPr>
+              <a:t> </a:t>
+            </a:r>
+            <a:r>
+              <a:rPr lang="ru-RU" sz="2800" b="0" i="0" dirty="0" smtClean="0">
+                <a:effectLst/>
+                <a:latin typeface="Comic Sans MS" panose="030F0702030302020204" pitchFamily="66" charset="0"/>
+              </a:rPr>
+              <a:t>Подключение 3д модели к </a:t>
+            </a:r>
+            <a:r>
+              <a:rPr lang="ru-RU" sz="2800" b="0" i="0" dirty="0" smtClean="0">
+                <a:effectLst/>
+                <a:latin typeface="Comic Sans MS" panose="030F0702030302020204" pitchFamily="66" charset="0"/>
+              </a:rPr>
+              <a:t>программе</a:t>
+            </a:r>
+          </a:p>
+          <a:p>
+            <a:pPr marL="0" indent="0" algn="l">
+              <a:buNone/>
+            </a:pPr>
+            <a:r>
+              <a:rPr lang="ru-RU" sz="2800" dirty="0" smtClean="0">
+                <a:latin typeface="Comic Sans MS" panose="030F0702030302020204" pitchFamily="66" charset="0"/>
+              </a:rPr>
+              <a:t>6. Разработка задач для проверки усвоения знаний</a:t>
+            </a:r>
+            <a:endParaRPr lang="ru-RU" sz="2800" b="0" i="0" dirty="0">
+              <a:effectLst/>
+              <a:latin typeface="Comic Sans MS" panose="030F0702030302020204" pitchFamily="66" charset="0"/>
+            </a:endParaRPr>
+          </a:p>
+        </p:txBody>
+      </p:sp>
+      <p:pic>
+        <p:nvPicPr>
+          <p:cNvPr id="5" name="Рисунок 4"/>
+          <p:cNvPicPr>
+            <a:picLocks noChangeAspect="1"/>
+          </p:cNvPicPr>
+          <p:nvPr/>
+        </p:nvPicPr>
+        <p:blipFill>
+          <a:blip r:embed="rId2"/>
+          <a:stretch>
+            <a:fillRect/>
+          </a:stretch>
+        </p:blipFill>
+        <p:spPr>
+          <a:xfrm>
+            <a:off x="6190488" y="1920240"/>
+            <a:ext cx="5197032" cy="4195063"/>
+          </a:xfrm>
+          <a:prstGeom prst="rect">
+            <a:avLst/>
+          </a:prstGeom>
+        </p:spPr>
+      </p:pic>
+    </p:spTree>
+    <p:extLst>
+      <p:ext uri="{BB962C8B-B14F-4D97-AF65-F5344CB8AC3E}">
+        <p14:creationId xmlns:p14="http://schemas.microsoft.com/office/powerpoint/2010/main" val="1396892169"/>
+      </p:ext>
+    </p:extLst>
+  </p:cSld>
+  <p:clrMapOvr>
+    <a:masterClrMapping/>
+  </p:clrMapOvr>
+  <p:timing>
+    <p:tnLst>
+      <p:par>
+        <p:cTn id="1" dur="indefinite" restart="never" nodeType="tmRoot"/>
+      </p:par>
+    </p:tnLst>
+  </p:timing>
+</p:sld>
+</file>
+
+<file path=ppt/slides/slide8.xml><?xml version="1.0" encoding="utf-8"?>
+<p:sld xmlns:a="http://schemas.openxmlformats.org/drawingml/2006/main" xmlns:r="http://schemas.openxmlformats.org/officeDocument/2006/relationships" xmlns:p="http://schemas.openxmlformats.org/presentationml/2006/main">
+  <p:cSld>
+    <p:spTree>
+      <p:nvGrpSpPr>
+        <p:cNvPr id="1" name=""/>
+        <p:cNvGrpSpPr/>
+        <p:nvPr/>
+      </p:nvGrpSpPr>
+      <p:grpSpPr>
+        <a:xfrm>
+          <a:off x="0" y="0"/>
+          <a:ext cx="0" cy="0"/>
+          <a:chOff x="0" y="0"/>
+          <a:chExt cx="0" cy="0"/>
+        </a:xfrm>
+      </p:grpSpPr>
+      <p:sp>
+        <p:nvSpPr>
+          <p:cNvPr id="2" name="Заголовок 1">
+            <a:extLst>
+              <a:ext uri="{FF2B5EF4-FFF2-40B4-BE49-F238E27FC236}">
+                <a16:creationId xmlns:a16="http://schemas.microsoft.com/office/drawing/2014/main" xmlns="" id="{01A03B06-BEF2-43A3-A9AB-E4843A7043B7}"/>
+              </a:ext>
+            </a:extLst>
+          </p:cNvPr>
+          <p:cNvSpPr>
+            <a:spLocks noGrp="1"/>
+          </p:cNvSpPr>
+          <p:nvPr>
+            <p:ph type="title"/>
+          </p:nvPr>
+        </p:nvSpPr>
+        <p:spPr/>
+        <p:txBody>
+          <a:bodyPr>
+            <a:normAutofit/>
+          </a:bodyPr>
+          <a:lstStyle/>
+          <a:p>
+            <a:r>
+              <a:rPr lang="ru-RU" sz="4000" dirty="0" smtClean="0">
+                <a:latin typeface="Comic Sans MS" panose="030F0702030302020204" pitchFamily="66" charset="0"/>
+              </a:rPr>
+              <a:t>заключение:</a:t>
+            </a:r>
+            <a:endParaRPr lang="ru-RU" sz="4000" dirty="0">
+              <a:latin typeface="Comic Sans MS" panose="030F0702030302020204" pitchFamily="66" charset="0"/>
+            </a:endParaRPr>
+          </a:p>
+        </p:txBody>
+      </p:sp>
+      <p:sp>
+        <p:nvSpPr>
+          <p:cNvPr id="3" name="Объект 2">
+            <a:extLst>
+              <a:ext uri="{FF2B5EF4-FFF2-40B4-BE49-F238E27FC236}">
+                <a16:creationId xmlns:a16="http://schemas.microsoft.com/office/drawing/2014/main" xmlns="" id="{6CEBD85F-9EA0-4F9F-90A0-9CE478AB5972}"/>
+              </a:ext>
+            </a:extLst>
+          </p:cNvPr>
+          <p:cNvSpPr>
+            <a:spLocks noGrp="1"/>
+          </p:cNvSpPr>
+          <p:nvPr>
+            <p:ph idx="1"/>
+          </p:nvPr>
+        </p:nvSpPr>
+        <p:spPr>
+          <a:xfrm>
+            <a:off x="1141413" y="2097088"/>
+            <a:ext cx="9905998" cy="4069346"/>
+          </a:xfrm>
+        </p:spPr>
+        <p:txBody>
+          <a:bodyPr>
+            <a:noAutofit/>
+          </a:bodyPr>
+          <a:lstStyle/>
+          <a:p>
+            <a:pPr marL="0" indent="0">
+              <a:buNone/>
+            </a:pPr>
+            <a:r>
+              <a:rPr lang="ru-RU" sz="2800" b="0" i="0" dirty="0" smtClean="0">
+                <a:effectLst/>
+                <a:latin typeface="Comic Sans MS" panose="030F0702030302020204" pitchFamily="66" charset="0"/>
+              </a:rPr>
+              <a:t>создание </a:t>
+            </a:r>
+            <a:r>
+              <a:rPr lang="ru-RU" sz="2800" b="0" i="0" dirty="0">
+                <a:effectLst/>
+                <a:latin typeface="Comic Sans MS" panose="030F0702030302020204" pitchFamily="66" charset="0"/>
+              </a:rPr>
+              <a:t>учебной  модели электродвигателя – это многогранная задача, требующая сочетания инженерных знаний, навыков программирования и 3</a:t>
+            </a:r>
+            <a:r>
+              <a:rPr lang="en-US" sz="2800" b="0" i="0" dirty="0">
+                <a:effectLst/>
+                <a:latin typeface="Comic Sans MS" panose="030F0702030302020204" pitchFamily="66" charset="0"/>
+              </a:rPr>
+              <a:t>D-</a:t>
+            </a:r>
+            <a:r>
+              <a:rPr lang="ru-RU" sz="2800" b="0" i="0" dirty="0">
+                <a:effectLst/>
+                <a:latin typeface="Comic Sans MS" panose="030F0702030302020204" pitchFamily="66" charset="0"/>
+              </a:rPr>
+              <a:t>моделирования. Реализация этого проекта является ценным инструментом для современного образования, способствуя углубленному пониманию фундаментальных законов </a:t>
+            </a:r>
+            <a:r>
+              <a:rPr lang="ru-RU" sz="2800" b="0" i="0" dirty="0" smtClean="0">
+                <a:effectLst/>
+                <a:latin typeface="Comic Sans MS" panose="030F0702030302020204" pitchFamily="66" charset="0"/>
+              </a:rPr>
+              <a:t>физики</a:t>
+            </a:r>
+            <a:r>
+              <a:rPr lang="ru-RU" sz="2800" b="0" i="0" dirty="0" smtClean="0">
+                <a:effectLst/>
+                <a:latin typeface="Comic Sans MS" panose="030F0702030302020204" pitchFamily="66" charset="0"/>
+              </a:rPr>
+              <a:t>.</a:t>
+            </a:r>
+          </a:p>
+          <a:p>
+            <a:pPr marL="0" indent="0">
+              <a:buNone/>
+            </a:pPr>
+            <a:endParaRPr lang="ru-RU" sz="2800" dirty="0">
+              <a:latin typeface="Comic Sans MS" panose="030F0702030302020204" pitchFamily="66" charset="0"/>
+            </a:endParaRPr>
+          </a:p>
+          <a:p>
+            <a:pPr marL="0" indent="0">
+              <a:buNone/>
+            </a:pPr>
+            <a:r>
+              <a:rPr lang="ru-RU" sz="2800" dirty="0" smtClean="0">
+                <a:latin typeface="Comic Sans MS" panose="030F0702030302020204" pitchFamily="66" charset="0"/>
+              </a:rPr>
+              <a:t>По задачам</a:t>
+            </a:r>
+            <a:r>
+              <a:rPr lang="en-US" sz="2800" dirty="0" smtClean="0">
+                <a:latin typeface="Comic Sans MS" panose="030F0702030302020204" pitchFamily="66" charset="0"/>
+              </a:rPr>
+              <a:t>: </a:t>
+            </a:r>
+            <a:r>
+              <a:rPr lang="ru-RU" sz="2800" dirty="0" smtClean="0">
+                <a:latin typeface="Comic Sans MS" panose="030F0702030302020204" pitchFamily="66" charset="0"/>
+              </a:rPr>
+              <a:t>выполнено сделано разработано поставленная цель достигнута…</a:t>
+            </a:r>
+            <a:endParaRPr lang="ru-RU" sz="2800" dirty="0">
+              <a:latin typeface="Comic Sans MS" panose="030F0702030302020204" pitchFamily="66" charset="0"/>
+            </a:endParaRPr>
+          </a:p>
+        </p:txBody>
+      </p:sp>
+    </p:spTree>
+    <p:extLst>
+      <p:ext uri="{BB962C8B-B14F-4D97-AF65-F5344CB8AC3E}">
+        <p14:creationId xmlns:p14="http://schemas.microsoft.com/office/powerpoint/2010/main" val="2381309180"/>
+      </p:ext>
+    </p:extLst>
+  </p:cSld>
+  <p:clrMapOvr>
+    <a:masterClrMapping/>
+  </p:clrMapOvr>
+  <p:timing>
+    <p:tnLst>
+      <p:par>
+        <p:cTn id="1" dur="indefinite" restart="never" nodeType="tmRoot"/>
+      </p:par>
+    </p:tnLst>
+  </p:timing>
+</p:sld>
+</file>
+
+<file path=ppt/slides/slide9.xml><?xml version="1.0" encoding="utf-8"?>
+<p:sld xmlns:a="http://schemas.openxmlformats.org/drawingml/2006/main" xmlns:r="http://schemas.openxmlformats.org/officeDocument/2006/relationships" xmlns:p="http://schemas.openxmlformats.org/presentationml/2006/main">
+  <p:cSld>
+    <p:spTree>
+      <p:nvGrpSpPr>
+        <p:cNvPr id="1" name=""/>
+        <p:cNvGrpSpPr/>
+        <p:nvPr/>
+      </p:nvGrpSpPr>
+      <p:grpSpPr>
+        <a:xfrm>
+          <a:off x="0" y="0"/>
+          <a:ext cx="0" cy="0"/>
+          <a:chOff x="0" y="0"/>
+          <a:chExt cx="0" cy="0"/>
+        </a:xfrm>
+      </p:grpSpPr>
+      <p:sp>
+        <p:nvSpPr>
+          <p:cNvPr id="2" name="Заголовок 1">
+            <a:extLst>
+              <a:ext uri="{FF2B5EF4-FFF2-40B4-BE49-F238E27FC236}">
+                <a16:creationId xmlns:a16="http://schemas.microsoft.com/office/drawing/2014/main" xmlns="" id="{F505A6A9-6908-44F5-96BE-4E2260F9515F}"/>
               </a:ext>
             </a:extLst>
           </p:cNvPr>
@@ -13379,6 +14436,13 @@
   <p:clrMapOvr>
     <a:masterClrMapping/>
   </p:clrMapOvr>
+  <p:timing>
+    <p:tnLst>
+      <p:par>
+        <p:cTn id="1" dur="indefinite" restart="never" nodeType="tmRoot"/>
+      </p:par>
+    </p:tnLst>
+  </p:timing>
 </p:sld>
 </file>
 
